--- a/print/Precal_13_4.pptx
+++ b/print/Precal_13_4.pptx
@@ -14,8 +14,6 @@
     <p:sldId id="259" r:id="rId11"/>
     <p:sldId id="260" r:id="rId12"/>
     <p:sldId id="261" r:id="rId13"/>
-    <p:sldId id="262" r:id="rId14"/>
-    <p:sldId id="263" r:id="rId15"/>
   </p:sldIdLst>
   <p:sldSz cx="9144000" cy="5143500"/>
   <p:notesSz cx="6858000" cy="9144000"/>
@@ -566,7 +564,7 @@
       </p:grpSpPr>
       <p:sp>
         <p:nvSpPr>
-          <p:cNvPr id="192" name="Shape 192"/>
+          <p:cNvPr id="193" name="Shape 193"/>
           <p:cNvSpPr/>
           <p:nvPr>
             <p:ph type="sldImg"/>
@@ -587,7 +585,7 @@
       </p:sp>
       <p:sp>
         <p:nvSpPr>
-          <p:cNvPr id="193" name="Shape 193"/>
+          <p:cNvPr id="194" name="Shape 194"/>
           <p:cNvSpPr/>
           <p:nvPr>
             <p:ph type="body" sz="quarter" idx="1"/>
@@ -648,7 +646,7 @@
       </p:grpSpPr>
       <p:sp>
         <p:nvSpPr>
-          <p:cNvPr id="213" name="Shape 213"/>
+          <p:cNvPr id="198" name="Shape 198"/>
           <p:cNvSpPr/>
           <p:nvPr>
             <p:ph type="sldImg"/>
@@ -669,7 +667,7 @@
       </p:sp>
       <p:sp>
         <p:nvSpPr>
-          <p:cNvPr id="214" name="Shape 214"/>
+          <p:cNvPr id="199" name="Shape 199"/>
           <p:cNvSpPr/>
           <p:nvPr>
             <p:ph type="body" sz="quarter" idx="1"/>
@@ -689,7 +687,7 @@
               <a:buAutoNum type="arabicPeriod" startAt="1"/>
             </a:pPr>
             <a:r>
-              <a:t>What does your graph look like? A quadratic that has been transformed how has it been transformed?</a:t>
+              <a:t>The rocket so a height of 400 m in 20 s. It lands at 40 s.</a:t>
             </a:r>
           </a:p>
           <a:p>
@@ -698,76 +696,7 @@
               <a:buAutoNum type="arabicPeriod" startAt="1"/>
             </a:pPr>
             <a:r>
-              <a:t>Preplanned qs:</a:t>
-            </a:r>
-          </a:p>
-          <a:p>
-            <a:pPr/>
-            <a:r>
-              <a:t>+How could the vertex form of your equation be useful here?  you can write your function as f(x) = -(x - a)^2 + 1000.</a:t>
-            </a:r>
-          </a:p>
-          <a:p>
-            <a:pPr/>
-            <a:r>
-              <a:t>+How could you use the x/y intercept to solve for a?  0 = -(0 - a)^2 + 1000 -&gt; a^2 = 1000, a = sqrt(100) approx: 31.6</a:t>
-            </a:r>
-          </a:p>
-          <a:p>
-            <a:pPr/>
-          </a:p>
-          <a:p>
-            <a:pPr/>
-            <a:r>
-              <a:t>NOTE: - values in Pyret are represented by (0- x) not -x,</a:t>
-            </a:r>
-          </a:p>
-          <a:p>
-            <a:pPr/>
-          </a:p>
-          <a:p>
-            <a:pPr/>
-          </a:p>
-          <a:p>
-            <a:pPr/>
-            <a:r>
-              <a:t>Answers: </a:t>
-            </a:r>
-          </a:p>
-          <a:p>
-            <a:pPr marL="187157" indent="-187157">
-              <a:buSzPct val="100000"/>
-              <a:buAutoNum type="arabicPeriod" startAt="1"/>
-            </a:pPr>
-            <a:r>
-              <a:t>h(t) = 2t^2</a:t>
-            </a:r>
-          </a:p>
-          <a:p>
-            <a:pPr marL="187157" indent="-187157">
-              <a:buSzPct val="100000"/>
-              <a:buAutoNum type="arabicPeriod" startAt="1"/>
-            </a:pPr>
-            <a:r>
-              <a:t>h(t) = -(t - 15)^2  + 225</a:t>
-            </a:r>
-          </a:p>
-          <a:p>
-            <a:pPr marL="187157" indent="-187157">
-              <a:buSzPct val="100000"/>
-              <a:buAutoNum type="arabicPeriod" startAt="1"/>
-            </a:pPr>
-            <a:r>
-              <a:t>h(t)=  -(t - 20)^2  + 400</a:t>
-            </a:r>
-          </a:p>
-          <a:p>
-            <a:pPr/>
-          </a:p>
-          <a:p>
-            <a:pPr/>
-            <a:r>
-              <a:t>If students finish early: make observations about the speed of your rocket at different moments in time .  Try this for a variety of specifications of rocket height (quadratic, linear,etx.) Write down your observations in your notes,  What can you conclude about the relationship between the rockers height and its speed. </a:t>
+              <a:t>Vertex: (20, 400). X and y ints: 0.  Domain: 0-40. Range: 0-400</a:t>
             </a:r>
           </a:p>
         </p:txBody>
@@ -799,7 +728,7 @@
       </p:grpSpPr>
       <p:sp>
         <p:nvSpPr>
-          <p:cNvPr id="224" name="Shape 224"/>
+          <p:cNvPr id="206" name="Shape 206"/>
           <p:cNvSpPr/>
           <p:nvPr>
             <p:ph type="sldImg"/>
@@ -820,7 +749,143 @@
       </p:sp>
       <p:sp>
         <p:nvSpPr>
-          <p:cNvPr id="225" name="Shape 225"/>
+          <p:cNvPr id="207" name="Shape 207"/>
+          <p:cNvSpPr/>
+          <p:nvPr>
+            <p:ph type="body" sz="quarter" idx="1"/>
+          </p:nvPr>
+        </p:nvSpPr>
+        <p:spPr>
+          <a:prstGeom prst="rect">
+            <a:avLst/>
+          </a:prstGeom>
+        </p:spPr>
+        <p:txBody>
+          <a:bodyPr/>
+          <a:lstStyle/>
+          <a:p>
+            <a:pPr marL="187157" indent="-187157">
+              <a:buSzPct val="100000"/>
+              <a:buAutoNum type="arabicPeriod" startAt="1"/>
+            </a:pPr>
+            <a:r>
+              <a:t>vertex: (20, 400).  This means the rocket reaches its highest point of 400 meters at 20 sec. the function is a quadratic. </a:t>
+            </a:r>
+            <a:br/>
+            <a:r>
+              <a:t>two ways to solve: one, we know that its transformed from the basic quadratic t^2 by </a:t>
+            </a:r>
+            <a:br/>
+            <a:r>
+              <a:t>i. reflecting over x-axis -&gt; -t^2 </a:t>
+            </a:r>
+            <a:br/>
+            <a:r>
+              <a:t>ii. transforming right 20 up 400 -&gt; -(t - 20)^2 + 400</a:t>
+            </a:r>
+            <a:br/>
+            <a:r>
+              <a:t>Other solution. we know the vertex form of a quadratic is (t - a)^2 + b. So in this case we reflect over x-axis -&gt; -(t - a)^2 + b then plug in the vertex which we determined by observation (20,400) -&gt; -(t - 20)^2 + 400. Luckily these are both the same solution.  </a:t>
+            </a:r>
+            <a:br/>
+            <a:r>
+              <a:t>PPQs:</a:t>
+            </a:r>
+            <a:br/>
+            <a:r>
+              <a:t>+How can we use the vertex form to find this function? See second solution above for answer.</a:t>
+            </a:r>
+            <a:br/>
+            <a:r>
+              <a:t>+How do we confirm this answer is correct? Model it in Pyret with </a:t>
+            </a:r>
+            <a:br/>
+            <a:r>
+              <a:t>fun rocket-height(t): (0 - num-sqr( t - 20)) + 400 end. Decide if it behaves as predicted.  </a:t>
+            </a:r>
+          </a:p>
+          <a:p>
+            <a:pPr marL="187157" indent="-187157">
+              <a:buSzPct val="100000"/>
+              <a:buAutoNum type="arabicPeriod" startAt="1"/>
+            </a:pPr>
+            <a:r>
+              <a:t> +How can the vertex form be useful here?  Now we know the x-cor. of the vertex but the y-cor is unknown. So the vertex is (15, b). We can plug this in h(t) = -(t - 15)^2 + b</a:t>
+            </a:r>
+            <a:br/>
+            <a:r>
+              <a:t>+How could the x/y ints be useful here? we know that the x int is 0, so:  </a:t>
+            </a:r>
+            <a:br/>
+            <a:r>
+              <a:t>0 = -(0 - 15)^2 + b = -225 + b -&gt; b =225.  </a:t>
+            </a:r>
+            <a:br/>
+            <a:r>
+              <a:t>So h(t) = -(t - 15)^2 + 225.</a:t>
+            </a:r>
+          </a:p>
+          <a:p>
+            <a:pPr marL="187157" indent="-187157">
+              <a:buSzPct val="100000"/>
+              <a:buAutoNum type="arabicPeriod" startAt="1"/>
+            </a:pPr>
+            <a:r>
+              <a:t>Try making a table of the relationship between the h(t) and the speed function. Can you determine the function for speed? </a:t>
+            </a:r>
+            <a:br/>
+          </a:p>
+        </p:txBody>
+      </p:sp>
+    </p:spTree>
+  </p:cSld>
+  <p:clrMapOvr>
+    <a:masterClrMapping/>
+  </p:clrMapOvr>
+</p:notes>
+</file>
+
+<file path=ppt/notesSlides/notesSlide5.xml><?xml version="1.0" encoding="utf-8"?>
+<p:notes xmlns:a="http://schemas.openxmlformats.org/drawingml/2006/main" xmlns:r="http://schemas.openxmlformats.org/officeDocument/2006/relationships" xmlns:p="http://schemas.openxmlformats.org/presentationml/2006/main" xmlns:m="http://schemas.openxmlformats.org/officeDocument/2006/math" xmlns:a14="http://schemas.microsoft.com/office/drawing/2010/main" showMasterSp="1" showMasterPhAnim="1">
+  <p:cSld>
+    <p:spTree>
+      <p:nvGrpSpPr>
+        <p:cNvPr id="1" name=""/>
+        <p:cNvGrpSpPr/>
+        <p:nvPr/>
+      </p:nvGrpSpPr>
+      <p:grpSpPr>
+        <a:xfrm>
+          <a:off x="0" y="0"/>
+          <a:ext cx="0" cy="0"/>
+          <a:chOff x="0" y="0"/>
+          <a:chExt cx="0" cy="0"/>
+        </a:xfrm>
+      </p:grpSpPr>
+      <p:sp>
+        <p:nvSpPr>
+          <p:cNvPr id="212" name="Shape 212"/>
+          <p:cNvSpPr/>
+          <p:nvPr>
+            <p:ph type="sldImg"/>
+          </p:nvPr>
+        </p:nvSpPr>
+        <p:spPr>
+          <a:prstGeom prst="rect">
+            <a:avLst/>
+          </a:prstGeom>
+        </p:spPr>
+        <p:txBody>
+          <a:bodyPr/>
+          <a:lstStyle/>
+          <a:p>
+            <a:pPr/>
+          </a:p>
+        </p:txBody>
+      </p:sp>
+      <p:sp>
+        <p:nvSpPr>
+          <p:cNvPr id="213" name="Shape 213"/>
           <p:cNvSpPr/>
           <p:nvPr>
             <p:ph type="body" sz="quarter" idx="1"/>
@@ -2949,7 +3014,7 @@
             </a:r>
             <a:r>
               <a:rPr b="0"/>
-              <a:t>HDW use functions in Pyret for computational modeling?</a:t>
+              <a:t>HDW use functions in Pyret to animate characters in our video games?</a:t>
             </a:r>
             <a:endParaRPr b="0" sz="1200"/>
           </a:p>
@@ -2957,7 +3022,7 @@
       </p:sp>
       <p:sp>
         <p:nvSpPr>
-          <p:cNvPr id="45" name="Dr. O’Brien  12/16"/>
+          <p:cNvPr id="45" name="Dr. O’Brien  12/17"/>
           <p:cNvSpPr txBox="1"/>
           <p:nvPr/>
         </p:nvSpPr>
@@ -2986,14 +3051,14 @@
           <a:p>
             <a:pPr/>
             <a:r>
-              <a:t>Dr. O’Brien  12/16</a:t>
+              <a:t>Dr. O’Brien  12/17</a:t>
             </a:r>
           </a:p>
         </p:txBody>
       </p:sp>
       <p:pic>
         <p:nvPicPr>
-          <p:cNvPr id="46" name="nasa-logo-web-rgb.png" descr="nasa-logo-web-rgb.png"/>
+          <p:cNvPr id="46" name="Google Shape;17;p2" descr="Google Shape;17;p2"/>
           <p:cNvPicPr>
             <a:picLocks noChangeAspect="1"/>
           </p:cNvPicPr>
@@ -3009,8 +3074,8 @@
         </p:blipFill>
         <p:spPr>
           <a:xfrm>
-            <a:off x="-623124" y="-43493"/>
-            <a:ext cx="2683630" cy="1341816"/>
+            <a:off x="0" y="0"/>
+            <a:ext cx="1241700" cy="1241700"/>
           </a:xfrm>
           <a:prstGeom prst="rect">
             <a:avLst/>
@@ -5446,7 +5511,7 @@
               </a:defRPr>
             </a:pPr>
             <a:r>
-              <a:t>Lesson 13.4</a:t>
+              <a:t>Lesson 13.5</a:t>
             </a:r>
           </a:p>
         </p:txBody>
@@ -5500,7 +5565,7 @@
               <a:defRPr sz="1600"/>
             </a:pPr>
             <a:r>
-              <a:t>16 December 2021</a:t>
+              <a:t>17 December 2021</a:t>
             </a:r>
           </a:p>
         </p:txBody>
@@ -5656,14 +5721,14 @@
       </p:sp>
       <p:sp>
         <p:nvSpPr>
-          <p:cNvPr id="191" name="Welcome to our new room, B24!  Please read the information below:…"/>
+          <p:cNvPr id="191" name="Examine the GIF below.…"/>
           <p:cNvSpPr txBox="1"/>
           <p:nvPr/>
         </p:nvSpPr>
         <p:spPr>
           <a:xfrm>
             <a:off x="350267" y="1656889"/>
-            <a:ext cx="7462021" cy="1943101"/>
+            <a:ext cx="7462021" cy="1079501"/>
           </a:xfrm>
           <a:prstGeom prst="rect">
             <a:avLst/>
@@ -5691,18 +5756,7 @@
               </a:defRPr>
             </a:pPr>
             <a:r>
-              <a:t>Welcome to our new room, </a:t>
-            </a:r>
-            <a:r>
-              <a:rPr>
-                <a:solidFill>
-                  <a:srgbClr val="FF6A00"/>
-                </a:solidFill>
-              </a:rPr>
-              <a:t>B24</a:t>
-            </a:r>
-            <a:r>
-              <a:t>!  Please read the information below:</a:t>
+              <a:t>Examine the GIF below.</a:t>
             </a:r>
           </a:p>
           <a:p>
@@ -5725,29 +5779,7 @@
               </a:defRPr>
             </a:pPr>
             <a:r>
-              <a:t>When you come in, please find a seat at a desk (if one’s available) or one of the </a:t>
-            </a:r>
-            <a:r>
-              <a:rPr>
-                <a:solidFill>
-                  <a:srgbClr val="FF6A00"/>
-                </a:solidFill>
-              </a:rPr>
-              <a:t>six</a:t>
-            </a:r>
-            <a:r>
-              <a:t> closest desks to the screen. </a:t>
-            </a:r>
-            <a:r>
-              <a:rPr b="1" i="1" u="sng">
-                <a:solidFill>
-                  <a:srgbClr val="E22400"/>
-                </a:solidFill>
-              </a:rPr>
-              <a:t>Do not sit in the back of the classroom</a:t>
-            </a:r>
-            <a:r>
-              <a:t>.  We’ll conduct the do now and mini lesson from here.</a:t>
+              <a:t>What’s happening in the GIF to the right?</a:t>
             </a:r>
           </a:p>
           <a:p>
@@ -5761,68 +5793,54 @@
               </a:defRPr>
             </a:pPr>
             <a:r>
-              <a:t>When I dismiss you for independent work, find a sit at one of the computer workstations.</a:t>
+              <a:t>How do you think animations work?</a:t>
             </a:r>
           </a:p>
           <a:p>
             <a:pPr marL="187157" indent="-187157">
               <a:buSzPct val="100000"/>
               <a:buAutoNum type="arabicPeriod" startAt="1"/>
-              <a:defRPr b="1" i="1" u="sng">
+              <a:defRPr>
                 <a:solidFill>
-                  <a:srgbClr val="E22400"/>
+                  <a:srgbClr val="011D57"/>
                 </a:solidFill>
               </a:defRPr>
             </a:pPr>
             <a:r>
-              <a:t>No food or drink by the computers.</a:t>
-            </a:r>
-            <a:r>
-              <a:rPr b="0" i="0" u="none">
-                <a:solidFill>
-                  <a:srgbClr val="011D57"/>
-                </a:solidFill>
-              </a:rPr>
-              <a:t>  </a:t>
-            </a:r>
-            <a:endParaRPr b="0" i="0" u="none">
-              <a:solidFill>
-                <a:srgbClr val="011D57"/>
-              </a:solidFill>
-            </a:endParaRPr>
-          </a:p>
-          <a:p>
-            <a:pPr marL="187157" indent="-187157">
-              <a:buSzPct val="100000"/>
-              <a:buAutoNum type="arabicPeriod" startAt="1"/>
-              <a:defRPr b="1" i="1" u="sng">
-                <a:solidFill>
-                  <a:srgbClr val="E22400"/>
-                </a:solidFill>
-              </a:defRPr>
-            </a:pPr>
-            <a:r>
-              <a:rPr b="0" i="0" u="none">
-                <a:solidFill>
-                  <a:srgbClr val="011D57"/>
-                </a:solidFill>
-              </a:rPr>
-              <a:t>At the end of the period, you’ll be directed to assemble for the exit ticket/debrief. Log out of your computer, and </a:t>
-            </a:r>
-            <a:r>
-              <a:t>quietly </a:t>
-            </a:r>
-            <a:r>
-              <a:rPr b="0" i="0" u="none">
-                <a:solidFill>
-                  <a:srgbClr val="011D57"/>
-                </a:solidFill>
-              </a:rPr>
-              <a:t>return to a seat near the front.</a:t>
+              <a:t>How do you animation will work in our video games?</a:t>
             </a:r>
           </a:p>
         </p:txBody>
       </p:sp>
+      <p:pic>
+        <p:nvPicPr>
+          <p:cNvPr id="192" name="giphy.gif" descr="giphy.gif"/>
+          <p:cNvPicPr>
+            <a:picLocks noChangeAspect="0"/>
+          </p:cNvPicPr>
+          <p:nvPr/>
+        </p:nvPicPr>
+        <p:blipFill>
+          <a:blip r:embed="rId3">
+            <a:extLst/>
+          </a:blip>
+          <a:stretch>
+            <a:fillRect/>
+          </a:stretch>
+        </p:blipFill>
+        <p:spPr>
+          <a:xfrm>
+            <a:off x="4805736" y="1761948"/>
+            <a:ext cx="3512066" cy="2634050"/>
+          </a:xfrm>
+          <a:prstGeom prst="rect">
+            <a:avLst/>
+          </a:prstGeom>
+          <a:ln w="12700">
+            <a:miter lim="400000"/>
+          </a:ln>
+        </p:spPr>
+      </p:pic>
     </p:spTree>
   </p:cSld>
   <p:clrMapOvr>
@@ -5928,7 +5946,328 @@
       </p:grpSpPr>
       <p:sp>
         <p:nvSpPr>
-          <p:cNvPr id="195" name="framing…"/>
+          <p:cNvPr id="196" name="Google Shape;118;p19"/>
+          <p:cNvSpPr txBox="1"/>
+          <p:nvPr>
+            <p:ph type="title"/>
+          </p:nvPr>
+        </p:nvSpPr>
+        <p:spPr>
+          <a:xfrm>
+            <a:off x="1424035" y="575950"/>
+            <a:ext cx="7302729" cy="939691"/>
+          </a:xfrm>
+          <a:prstGeom prst="rect">
+            <a:avLst/>
+          </a:prstGeom>
+          <a:solidFill>
+            <a:srgbClr val="FFFFFF"/>
+          </a:solidFill>
+          <a:ln w="25400">
+            <a:solidFill>
+              <a:schemeClr val="accent1"/>
+            </a:solidFill>
+            <a:round/>
+          </a:ln>
+        </p:spPr>
+        <p:txBody>
+          <a:bodyPr lIns="91422" tIns="91422" rIns="91422" bIns="91422"/>
+          <a:lstStyle>
+            <a:lvl1pPr defTabSz="813816">
+              <a:defRPr b="0" sz="2100">
+                <a:solidFill>
+                  <a:srgbClr val="F46524"/>
+                </a:solidFill>
+                <a:latin typeface="+mn-lt"/>
+                <a:ea typeface="+mn-ea"/>
+                <a:cs typeface="+mn-cs"/>
+                <a:sym typeface="Arial"/>
+              </a:defRPr>
+            </a:lvl1pPr>
+          </a:lstStyle>
+          <a:p>
+            <a:pPr/>
+            <a:r>
+              <a:t>B24 rules</a:t>
+            </a:r>
+          </a:p>
+        </p:txBody>
+      </p:sp>
+      <p:sp>
+        <p:nvSpPr>
+          <p:cNvPr id="197" name="Welcome to our new room, B24!  Please read the information below:…"/>
+          <p:cNvSpPr txBox="1"/>
+          <p:nvPr/>
+        </p:nvSpPr>
+        <p:spPr>
+          <a:xfrm>
+            <a:off x="350267" y="1656889"/>
+            <a:ext cx="7462021" cy="1943101"/>
+          </a:xfrm>
+          <a:prstGeom prst="rect">
+            <a:avLst/>
+          </a:prstGeom>
+          <a:ln w="12700">
+            <a:miter lim="400000"/>
+          </a:ln>
+          <a:extLst>
+            <a:ext uri="{C572A759-6A51-4108-AA02-DFA0A04FC94B}">
+              <ma14:wrappingTextBoxFlag xmlns:ma14="http://schemas.microsoft.com/office/mac/drawingml/2011/main" val="1"/>
+            </a:ext>
+          </a:extLst>
+        </p:spPr>
+        <p:txBody>
+          <a:bodyPr lIns="0" tIns="0" rIns="0" bIns="0">
+            <a:spAutoFit/>
+          </a:bodyPr>
+          <a:lstStyle/>
+          <a:p>
+            <a:pPr>
+              <a:defRPr>
+                <a:solidFill>
+                  <a:srgbClr val="011D57"/>
+                </a:solidFill>
+              </a:defRPr>
+            </a:pPr>
+            <a:r>
+              <a:t>Welcome to our new room, </a:t>
+            </a:r>
+            <a:r>
+              <a:rPr>
+                <a:solidFill>
+                  <a:srgbClr val="FF6A00"/>
+                </a:solidFill>
+              </a:rPr>
+              <a:t>B24</a:t>
+            </a:r>
+            <a:r>
+              <a:t>!  Please read the information below:</a:t>
+            </a:r>
+          </a:p>
+          <a:p>
+            <a:pPr>
+              <a:defRPr>
+                <a:solidFill>
+                  <a:srgbClr val="011D57"/>
+                </a:solidFill>
+              </a:defRPr>
+            </a:pPr>
+          </a:p>
+          <a:p>
+            <a:pPr marL="187157" indent="-187157">
+              <a:buSzPct val="100000"/>
+              <a:buAutoNum type="arabicPeriod" startAt="1"/>
+              <a:defRPr>
+                <a:solidFill>
+                  <a:srgbClr val="011D57"/>
+                </a:solidFill>
+              </a:defRPr>
+            </a:pPr>
+            <a:r>
+              <a:t>When you come in, please find a seat at a desk (if one’s available) or one of the </a:t>
+            </a:r>
+            <a:r>
+              <a:rPr>
+                <a:solidFill>
+                  <a:srgbClr val="FF6A00"/>
+                </a:solidFill>
+              </a:rPr>
+              <a:t>six</a:t>
+            </a:r>
+            <a:r>
+              <a:t> closest desks to the screen. </a:t>
+            </a:r>
+            <a:r>
+              <a:rPr b="1" i="1" u="sng">
+                <a:solidFill>
+                  <a:srgbClr val="E22400"/>
+                </a:solidFill>
+              </a:rPr>
+              <a:t>Do not sit in the back of the classroom</a:t>
+            </a:r>
+            <a:r>
+              <a:t>.  We’ll conduct the do now and mini lesson from here.</a:t>
+            </a:r>
+          </a:p>
+          <a:p>
+            <a:pPr marL="187157" indent="-187157">
+              <a:buSzPct val="100000"/>
+              <a:buAutoNum type="arabicPeriod" startAt="1"/>
+              <a:defRPr>
+                <a:solidFill>
+                  <a:srgbClr val="011D57"/>
+                </a:solidFill>
+              </a:defRPr>
+            </a:pPr>
+            <a:r>
+              <a:t>When I dismiss you for independent work, find a sit at one of the computer workstations.</a:t>
+            </a:r>
+          </a:p>
+          <a:p>
+            <a:pPr marL="187157" indent="-187157">
+              <a:buSzPct val="100000"/>
+              <a:buAutoNum type="arabicPeriod" startAt="1"/>
+              <a:defRPr b="1" i="1" u="sng">
+                <a:solidFill>
+                  <a:srgbClr val="E22400"/>
+                </a:solidFill>
+              </a:defRPr>
+            </a:pPr>
+            <a:r>
+              <a:t>No food or drink by the computers.</a:t>
+            </a:r>
+            <a:r>
+              <a:rPr b="0" i="0" u="none">
+                <a:solidFill>
+                  <a:srgbClr val="011D57"/>
+                </a:solidFill>
+              </a:rPr>
+              <a:t>  </a:t>
+            </a:r>
+            <a:endParaRPr b="0" i="0" u="none">
+              <a:solidFill>
+                <a:srgbClr val="011D57"/>
+              </a:solidFill>
+            </a:endParaRPr>
+          </a:p>
+          <a:p>
+            <a:pPr marL="187157" indent="-187157">
+              <a:buSzPct val="100000"/>
+              <a:buAutoNum type="arabicPeriod" startAt="1"/>
+              <a:defRPr b="1" i="1" u="sng">
+                <a:solidFill>
+                  <a:srgbClr val="E22400"/>
+                </a:solidFill>
+              </a:defRPr>
+            </a:pPr>
+            <a:r>
+              <a:rPr b="0" i="0" u="none">
+                <a:solidFill>
+                  <a:srgbClr val="011D57"/>
+                </a:solidFill>
+              </a:rPr>
+              <a:t>At the end of the period, you’ll be directed to assemble for the exit ticket/debrief. Log out of your computer, and </a:t>
+            </a:r>
+            <a:r>
+              <a:t>quietly </a:t>
+            </a:r>
+            <a:r>
+              <a:rPr b="0" i="0" u="none">
+                <a:solidFill>
+                  <a:srgbClr val="011D57"/>
+                </a:solidFill>
+              </a:rPr>
+              <a:t>return to a seat near the front.</a:t>
+            </a:r>
+          </a:p>
+        </p:txBody>
+      </p:sp>
+    </p:spTree>
+  </p:cSld>
+  <p:clrMapOvr>
+    <a:masterClrMapping/>
+  </p:clrMapOvr>
+  <p:transition xmlns:p14="http://schemas.microsoft.com/office/powerpoint/2010/main" spd="med" advClick="1"/>
+  <p:timing>
+    <p:tnLst>
+      <p:par>
+        <p:cTn id="1" nodeType="tmRoot" restart="never" dur="indefinite" fill="hold">
+          <p:childTnLst>
+            <p:seq concurrent="1" prevAc="none" nextAc="seek">
+              <p:cTn id="2" nodeType="mainSeq" dur="indefinite" fill="hold">
+                <p:childTnLst>
+                  <p:par>
+                    <p:cTn id="3" fill="hold">
+                      <p:stCondLst>
+                        <p:cond delay="indefinite"/>
+                      </p:stCondLst>
+                      <p:childTnLst>
+                        <p:par>
+                          <p:cTn id="4" fill="hold">
+                            <p:stCondLst>
+                              <p:cond delay="0"/>
+                            </p:stCondLst>
+                            <p:childTnLst>
+                              <p:par>
+                                <p:cTn id="5" presetClass="entr" nodeType="clickEffect" presetSubtype="0" presetID="1" grpId="1" fill="hold">
+                                  <p:stCondLst>
+                                    <p:cond delay="0"/>
+                                  </p:stCondLst>
+                                  <p:iterate type="el" backwards="0">
+                                    <p:tmAbs val="0"/>
+                                  </p:iterate>
+                                  <p:childTnLst>
+                                    <p:set>
+                                      <p:cBhvr>
+                                        <p:cTn id="6" fill="hold"/>
+                                        <p:tgtEl>
+                                          <p:spTgt spid="197"/>
+                                        </p:tgtEl>
+                                        <p:attrNameLst>
+                                          <p:attrName>style.visibility</p:attrName>
+                                        </p:attrNameLst>
+                                      </p:cBhvr>
+                                      <p:to>
+                                        <p:strVal val="visible"/>
+                                      </p:to>
+                                    </p:set>
+                                  </p:childTnLst>
+                                </p:cTn>
+                              </p:par>
+                            </p:childTnLst>
+                          </p:cTn>
+                        </p:par>
+                      </p:childTnLst>
+                    </p:cTn>
+                  </p:par>
+                </p:childTnLst>
+              </p:cTn>
+              <p:prevCondLst>
+                <p:cond evt="onPrev">
+                  <p:tgtEl>
+                    <p:sldTgt/>
+                  </p:tgtEl>
+                </p:cond>
+              </p:prevCondLst>
+              <p:nextCondLst>
+                <p:cond evt="onNext">
+                  <p:tgtEl>
+                    <p:sldTgt/>
+                  </p:tgtEl>
+                </p:cond>
+              </p:nextCondLst>
+            </p:seq>
+          </p:childTnLst>
+        </p:cTn>
+      </p:par>
+    </p:tnLst>
+    <p:bldLst>
+      <p:bldP build="whole" bldLvl="1" animBg="1" rev="0" advAuto="0" spid="197" grpId="1"/>
+    </p:bldLst>
+  </p:timing>
+</p:sld>
+</file>
+
+<file path=ppt/slides/slide4.xml><?xml version="1.0" encoding="utf-8"?>
+<p:sld xmlns:a="http://schemas.openxmlformats.org/drawingml/2006/main" xmlns:r="http://schemas.openxmlformats.org/officeDocument/2006/relationships" xmlns:p="http://schemas.openxmlformats.org/presentationml/2006/main" xmlns:m="http://schemas.openxmlformats.org/officeDocument/2006/math" xmlns:a14="http://schemas.microsoft.com/office/drawing/2010/main" showMasterSp="1" showMasterPhAnim="1">
+  <p:cSld>
+    <p:spTree>
+      <p:nvGrpSpPr>
+        <p:cNvPr id="1" name=""/>
+        <p:cNvGrpSpPr/>
+        <p:nvPr/>
+      </p:nvGrpSpPr>
+      <p:grpSpPr>
+        <a:xfrm>
+          <a:off x="0" y="0"/>
+          <a:ext cx="0" cy="0"/>
+          <a:chOff x="0" y="0"/>
+          <a:chExt cx="0" cy="0"/>
+        </a:xfrm>
+      </p:grpSpPr>
+      <p:sp>
+        <p:nvSpPr>
+          <p:cNvPr id="201" name="framing…"/>
           <p:cNvSpPr txBox="1"/>
           <p:nvPr/>
         </p:nvSpPr>
@@ -5957,11 +6296,11 @@
           </a:bodyPr>
           <a:lstStyle/>
           <a:p>
-            <a:pPr defTabSz="822959">
+            <a:pPr>
               <a:lnSpc>
                 <a:spcPct val="115000"/>
               </a:lnSpc>
-              <a:defRPr b="1" sz="1619">
+              <a:defRPr b="1" sz="1800">
                 <a:solidFill>
                   <a:schemeClr val="accent5"/>
                 </a:solidFill>
@@ -5976,17 +6315,17 @@
             </a:r>
           </a:p>
           <a:p>
-            <a:pPr marL="411479" indent="-308609" defTabSz="822959">
+            <a:pPr marL="457200" indent="-342900">
               <a:lnSpc>
                 <a:spcPct val="115000"/>
               </a:lnSpc>
               <a:buClr>
                 <a:srgbClr val="000000"/>
               </a:buClr>
-              <a:buSzPts val="1600"/>
+              <a:buSzPts val="1800"/>
               <a:buFont typeface="Helvetica"/>
               <a:buChar char="●"/>
-              <a:defRPr b="1" sz="1619">
+              <a:defRPr b="1" sz="1800">
                 <a:solidFill>
                   <a:srgbClr val="000000"/>
                 </a:solidFill>
@@ -6001,22 +6340,22 @@
             </a:r>
             <a:r>
               <a:rPr b="0"/>
-              <a:t> use functions in Pyret for computational modeling</a:t>
+              <a:t> use functions in Pyret to animate characters in our video games</a:t>
             </a:r>
             <a:endParaRPr b="0"/>
           </a:p>
           <a:p>
-            <a:pPr marL="411479" indent="-308609" defTabSz="822959">
+            <a:pPr marL="457200" indent="-342900">
               <a:lnSpc>
                 <a:spcPct val="115000"/>
               </a:lnSpc>
               <a:buClr>
                 <a:srgbClr val="000000"/>
               </a:buClr>
-              <a:buSzPts val="1600"/>
+              <a:buSzPts val="1800"/>
               <a:buFont typeface="Helvetica"/>
               <a:buChar char="●"/>
-              <a:defRPr b="1" sz="1619">
+              <a:defRPr b="1" sz="1800">
                 <a:solidFill>
                   <a:srgbClr val="000000"/>
                 </a:solidFill>
@@ -6031,22 +6370,22 @@
             </a:r>
             <a:r>
               <a:rPr b="0"/>
-              <a:t> in the real world (science, medicine, engineering) math and computer science is frequently used to analyze and make predictions about real world phenomena</a:t>
+              <a:t>we want our images to move around</a:t>
             </a:r>
             <a:endParaRPr b="0"/>
           </a:p>
           <a:p>
-            <a:pPr marL="411479" indent="-308609" defTabSz="822959">
+            <a:pPr marL="457200" indent="-342900">
               <a:lnSpc>
                 <a:spcPct val="115000"/>
               </a:lnSpc>
               <a:buClr>
                 <a:srgbClr val="000000"/>
               </a:buClr>
-              <a:buSzPts val="1600"/>
+              <a:buSzPts val="1800"/>
               <a:buFont typeface="Helvetica"/>
               <a:buChar char="●"/>
-              <a:defRPr b="1" sz="1619">
+              <a:defRPr b="1" sz="1800">
                 <a:solidFill>
                   <a:srgbClr val="000000"/>
                 </a:solidFill>
@@ -6061,14 +6400,14 @@
             </a:r>
             <a:r>
               <a:rPr b="0"/>
-              <a:t> using functions in Pyret to model movement in our video game</a:t>
+              <a:t>finish our game next week</a:t>
             </a:r>
           </a:p>
         </p:txBody>
       </p:sp>
       <p:pic>
         <p:nvPicPr>
-          <p:cNvPr id="196" name="Image" descr="Image"/>
+          <p:cNvPr id="202" name="Image" descr="Image"/>
           <p:cNvPicPr>
             <a:picLocks noChangeAspect="1"/>
           </p:cNvPicPr>
@@ -6134,7 +6473,7 @@
                                       <p:cBhvr>
                                         <p:cTn id="6" fill="hold"/>
                                         <p:tgtEl>
-                                          <p:spTgt spid="195">
+                                          <p:spTgt spid="201">
                                             <p:bg/>
                                           </p:spTgt>
                                         </p:tgtEl>
@@ -6162,7 +6501,7 @@
                                       <p:cBhvr>
                                         <p:cTn id="8" fill="hold"/>
                                         <p:tgtEl>
-                                          <p:spTgt spid="195">
+                                          <p:spTgt spid="201">
                                             <p:txEl>
                                               <p:pRg st="0" end="0"/>
                                             </p:txEl>
@@ -6210,7 +6549,7 @@
                                       <p:cBhvr>
                                         <p:cTn id="12" fill="hold"/>
                                         <p:tgtEl>
-                                          <p:spTgt spid="195">
+                                          <p:spTgt spid="201">
                                             <p:txEl>
                                               <p:pRg st="1" end="1"/>
                                             </p:txEl>
@@ -6258,7 +6597,7 @@
                                       <p:cBhvr>
                                         <p:cTn id="16" fill="hold"/>
                                         <p:tgtEl>
-                                          <p:spTgt spid="195">
+                                          <p:spTgt spid="201">
                                             <p:txEl>
                                               <p:pRg st="2" end="2"/>
                                             </p:txEl>
@@ -6306,7 +6645,7 @@
                                       <p:cBhvr>
                                         <p:cTn id="20" fill="hold"/>
                                         <p:tgtEl>
-                                          <p:spTgt spid="195">
+                                          <p:spTgt spid="201">
                                             <p:txEl>
                                               <p:pRg st="3" end="3"/>
                                             </p:txEl>
@@ -6351,13 +6690,13 @@
       </p:par>
     </p:tnLst>
     <p:bldLst>
-      <p:bldP build="p" bldLvl="5" animBg="1" rev="0" advAuto="0" spid="195" grpId="1"/>
+      <p:bldP build="p" bldLvl="5" animBg="1" rev="0" advAuto="0" spid="201" grpId="1"/>
     </p:bldLst>
   </p:timing>
 </p:sld>
 </file>
 
-<file path=ppt/slides/slide4.xml><?xml version="1.0" encoding="utf-8"?>
+<file path=ppt/slides/slide5.xml><?xml version="1.0" encoding="utf-8"?>
 <p:sld xmlns:a="http://schemas.openxmlformats.org/drawingml/2006/main" xmlns:r="http://schemas.openxmlformats.org/officeDocument/2006/relationships" xmlns:p="http://schemas.openxmlformats.org/presentationml/2006/main" xmlns:m="http://schemas.openxmlformats.org/officeDocument/2006/math" xmlns:a14="http://schemas.microsoft.com/office/drawing/2010/main" showMasterSp="1" showMasterPhAnim="1">
   <p:cSld>
     <p:spTree>
@@ -6376,142 +6715,22 @@
       </p:grpSpPr>
       <p:sp>
         <p:nvSpPr>
-          <p:cNvPr id="198" name="Vocab…"/>
-          <p:cNvSpPr txBox="1"/>
-          <p:nvPr>
-            <p:ph type="title"/>
-          </p:nvPr>
-        </p:nvSpPr>
-        <p:spPr>
-          <a:xfrm>
-            <a:off x="1438671" y="184914"/>
-            <a:ext cx="7302729" cy="939691"/>
-          </a:xfrm>
-          <a:prstGeom prst="rect">
-            <a:avLst/>
-          </a:prstGeom>
-          <a:solidFill>
-            <a:srgbClr val="FFFFFF"/>
-          </a:solidFill>
-          <a:ln w="25400">
-            <a:solidFill>
-              <a:schemeClr val="accent1"/>
-            </a:solidFill>
-            <a:round/>
-          </a:ln>
-        </p:spPr>
-        <p:txBody>
-          <a:bodyPr lIns="91422" tIns="91422" rIns="91422" bIns="91422"/>
-          <a:lstStyle/>
-          <a:p>
-            <a:pPr defTabSz="813816">
-              <a:defRPr b="0" sz="2100">
-                <a:solidFill>
-                  <a:srgbClr val="F46524"/>
-                </a:solidFill>
-                <a:latin typeface="+mn-lt"/>
-                <a:ea typeface="+mn-ea"/>
-                <a:cs typeface="+mn-cs"/>
-                <a:sym typeface="Arial"/>
-              </a:defRPr>
-            </a:pPr>
-            <a:r>
-              <a:t>Vocab</a:t>
-            </a:r>
-          </a:p>
-          <a:p>
-            <a:pPr defTabSz="813816">
-              <a:defRPr b="0" sz="1200">
-                <a:solidFill>
-                  <a:schemeClr val="accent5"/>
-                </a:solidFill>
-                <a:latin typeface="+mj-lt"/>
-                <a:ea typeface="+mj-ea"/>
-                <a:cs typeface="+mj-cs"/>
-                <a:sym typeface="Helvetica"/>
-              </a:defRPr>
-            </a:pPr>
-            <a:r>
-              <a:t>be sure to:</a:t>
-            </a:r>
-            <a:r>
-              <a:rPr>
-                <a:solidFill>
-                  <a:schemeClr val="accent5">
-                    <a:lumOff val="-9843"/>
-                  </a:schemeClr>
-                </a:solidFill>
-              </a:rPr>
-              <a:t> </a:t>
-            </a:r>
-            <a:r>
-              <a:rPr>
-                <a:solidFill>
-                  <a:schemeClr val="accent3">
-                    <a:lumOff val="-9098"/>
-                  </a:schemeClr>
-                </a:solidFill>
-              </a:rPr>
-              <a:t>Keep your </a:t>
-            </a:r>
-            <a:r>
-              <a:rPr b="1">
-                <a:solidFill>
-                  <a:schemeClr val="accent3">
-                    <a:lumOff val="-9098"/>
-                  </a:schemeClr>
-                </a:solidFill>
-              </a:rPr>
-              <a:t>notebook </a:t>
-            </a:r>
-            <a:r>
-              <a:rPr>
-                <a:solidFill>
-                  <a:schemeClr val="accent3">
-                    <a:lumOff val="-9098"/>
-                  </a:schemeClr>
-                </a:solidFill>
-              </a:rPr>
-              <a:t>open. Copy the definition for </a:t>
-            </a:r>
-            <a:r>
-              <a:rPr b="1">
-                <a:solidFill>
-                  <a:schemeClr val="accent3">
-                    <a:lumOff val="-9098"/>
-                  </a:schemeClr>
-                </a:solidFill>
-              </a:rPr>
-              <a:t>comp. modeling </a:t>
-            </a:r>
-            <a:r>
-              <a:rPr>
-                <a:solidFill>
-                  <a:schemeClr val="accent3">
-                    <a:lumOff val="-9098"/>
-                  </a:schemeClr>
-                </a:solidFill>
-              </a:rPr>
-              <a:t>in your notebook. The other definitions should be in your notes. If not copy them!</a:t>
-            </a:r>
-          </a:p>
-        </p:txBody>
-      </p:sp>
-      <p:sp>
-        <p:nvSpPr>
-          <p:cNvPr id="199" name="private access…"/>
+          <p:cNvPr id="204" name="Coding to learn: activity"/>
           <p:cNvSpPr txBox="1"/>
           <p:nvPr/>
         </p:nvSpPr>
         <p:spPr>
           <a:xfrm>
-            <a:off x="2587543" y="1680629"/>
-            <a:ext cx="1929728" cy="2133601"/>
+            <a:off x="2241183" y="488242"/>
+            <a:ext cx="3396395" cy="381001"/>
           </a:xfrm>
           <a:prstGeom prst="rect">
             <a:avLst/>
           </a:prstGeom>
           <a:ln w="12700">
+            <a:solidFill>
+              <a:srgbClr val="012F7B"/>
+            </a:solidFill>
             <a:miter lim="400000"/>
           </a:ln>
           <a:extLst>
@@ -6524,52 +6743,40 @@
           <a:bodyPr lIns="0" tIns="0" rIns="0" bIns="0">
             <a:spAutoFit/>
           </a:bodyPr>
-          <a:lstStyle/>
-          <a:p>
-            <a:pPr>
-              <a:defRPr>
-                <a:solidFill>
-                  <a:srgbClr val="012F7B"/>
-                </a:solidFill>
-                <a:latin typeface="Helvetica Neue"/>
-                <a:ea typeface="Helvetica Neue"/>
-                <a:cs typeface="Helvetica Neue"/>
-                <a:sym typeface="Helvetica Neue"/>
-              </a:defRPr>
-            </a:pPr>
-            <a:r>
-              <a:t>Computational modeling </a:t>
-            </a:r>
-          </a:p>
-          <a:p>
-            <a:pPr>
-              <a:defRPr>
-                <a:solidFill>
-                  <a:srgbClr val="FF6A00"/>
-                </a:solidFill>
-              </a:defRPr>
-            </a:pPr>
-            <a:r>
-              <a:t>Using computer programs to analyze and make predictions about real world systems (especially in science, medicine, and engineering)</a:t>
+          <a:lstStyle>
+            <a:lvl1pPr>
+              <a:defRPr sz="2400"/>
+            </a:lvl1pPr>
+          </a:lstStyle>
+          <a:p>
+            <a:pPr/>
+            <a:r>
+              <a:t>Coding to learn: activity</a:t>
             </a:r>
           </a:p>
         </p:txBody>
       </p:sp>
       <p:sp>
         <p:nvSpPr>
-          <p:cNvPr id="200" name="private access…"/>
+          <p:cNvPr id="205" name="Be sure to:…"/>
           <p:cNvSpPr txBox="1"/>
           <p:nvPr/>
         </p:nvSpPr>
         <p:spPr>
           <a:xfrm>
-            <a:off x="4819491" y="1658824"/>
-            <a:ext cx="2843433" cy="1066801"/>
+            <a:off x="1401535" y="1222447"/>
+            <a:ext cx="6340930" cy="3060305"/>
           </a:xfrm>
           <a:prstGeom prst="rect">
             <a:avLst/>
           </a:prstGeom>
+          <a:solidFill>
+            <a:srgbClr val="FFFFFF"/>
+          </a:solidFill>
           <a:ln w="12700">
+            <a:solidFill>
+              <a:srgbClr val="0056D6"/>
+            </a:solidFill>
             <a:miter lim="400000"/>
           </a:ln>
           <a:extLst>
@@ -6587,158 +6794,269 @@
             <a:pPr>
               <a:defRPr>
                 <a:solidFill>
+                  <a:schemeClr val="accent5">
+                    <a:satOff val="-3088"/>
+                    <a:lumOff val="12696"/>
+                  </a:schemeClr>
+                </a:solidFill>
+              </a:defRPr>
+            </a:pPr>
+            <a:r>
+              <a:t>Be sure to: </a:t>
+            </a:r>
+          </a:p>
+          <a:p>
+            <a:pPr/>
+            <a:r>
+              <a:t>Find a computer next to your partner. Open </a:t>
+            </a:r>
+            <a:r>
+              <a:rPr>
+                <a:solidFill>
+                  <a:srgbClr val="011D57"/>
+                </a:solidFill>
+              </a:rPr>
+              <a:t>your video game file</a:t>
+            </a:r>
+            <a:r>
+              <a:t>.</a:t>
+            </a:r>
+            <a:endParaRPr>
+              <a:solidFill>
+                <a:srgbClr val="012F7B"/>
+              </a:solidFill>
+            </a:endParaRPr>
+          </a:p>
+          <a:p>
+            <a:pPr marL="187157" indent="-187157">
+              <a:buSzPct val="100000"/>
+              <a:buAutoNum type="arabicPeriod" startAt="1"/>
+            </a:pPr>
+            <a:r>
+              <a:rPr>
+                <a:solidFill>
                   <a:srgbClr val="012F7B"/>
                 </a:solidFill>
-                <a:latin typeface="Helvetica Neue"/>
-                <a:ea typeface="Helvetica Neue"/>
-                <a:cs typeface="Helvetica Neue"/>
-                <a:sym typeface="Helvetica Neue"/>
-              </a:defRPr>
+              </a:rPr>
+              <a:t> If your partner has the video game file saved, copy their code (ask Dr. O’Brien how)</a:t>
+            </a:r>
+            <a:endParaRPr>
+              <a:solidFill>
+                <a:srgbClr val="012F7B"/>
+              </a:solidFill>
+            </a:endParaRPr>
+          </a:p>
+          <a:p>
+            <a:pPr marL="187157" indent="-187157">
+              <a:buSzPct val="100000"/>
+              <a:buAutoNum type="arabicPeriod" startAt="1"/>
             </a:pPr>
             <a:r>
-              <a:t>function</a:t>
-            </a:r>
-          </a:p>
-          <a:p>
-            <a:pPr>
-              <a:defRPr>
+              <a:rPr>
+                <a:solidFill>
+                  <a:srgbClr val="012F7B"/>
+                </a:solidFill>
+              </a:rPr>
+              <a:t> Run your code to make sure it works. Then examine the </a:t>
+            </a:r>
+            <a:r>
+              <a:rPr>
                 <a:solidFill>
                   <a:srgbClr val="FF6A00"/>
                 </a:solidFill>
-              </a:defRPr>
-            </a:pPr>
-            <a:r>
-              <a:t>a mathematical object that takes in an input and produces a unique output</a:t>
-            </a:r>
-          </a:p>
-        </p:txBody>
-      </p:sp>
-      <p:sp>
-        <p:nvSpPr>
-          <p:cNvPr id="201" name="private access…"/>
-          <p:cNvSpPr txBox="1"/>
-          <p:nvPr/>
-        </p:nvSpPr>
-        <p:spPr>
-          <a:xfrm>
-            <a:off x="4920911" y="2861749"/>
-            <a:ext cx="2843433" cy="1282701"/>
-          </a:xfrm>
-          <a:prstGeom prst="rect">
-            <a:avLst/>
-          </a:prstGeom>
-          <a:ln w="12700">
-            <a:miter lim="400000"/>
-          </a:ln>
-          <a:extLst>
-            <a:ext uri="{C572A759-6A51-4108-AA02-DFA0A04FC94B}">
-              <ma14:wrappingTextBoxFlag xmlns:ma14="http://schemas.microsoft.com/office/mac/drawingml/2011/main" val="1"/>
-            </a:ext>
-          </a:extLst>
-        </p:spPr>
-        <p:txBody>
-          <a:bodyPr lIns="0" tIns="0" rIns="0" bIns="0">
-            <a:spAutoFit/>
-          </a:bodyPr>
-          <a:lstStyle/>
-          <a:p>
-            <a:pPr>
-              <a:defRPr>
+                <a:latin typeface="Courier New"/>
+                <a:ea typeface="Courier New"/>
+                <a:cs typeface="Courier New"/>
+                <a:sym typeface="Courier New"/>
+              </a:rPr>
+              <a:t>update-target() </a:t>
+            </a:r>
+            <a:r>
+              <a:rPr>
                 <a:solidFill>
                   <a:srgbClr val="012F7B"/>
                 </a:solidFill>
-                <a:latin typeface="Helvetica Neue"/>
-                <a:ea typeface="Helvetica Neue"/>
-                <a:cs typeface="Helvetica Neue"/>
-                <a:sym typeface="Helvetica Neue"/>
-              </a:defRPr>
+              </a:rPr>
+              <a:t>function.  Answer the questions below in your </a:t>
+            </a:r>
+            <a:r>
+              <a:rPr b="1">
+                <a:solidFill>
+                  <a:srgbClr val="012F7B"/>
+                </a:solidFill>
+              </a:rPr>
+              <a:t>notebook</a:t>
+            </a:r>
+            <a:r>
+              <a:rPr>
+                <a:solidFill>
+                  <a:srgbClr val="012F7B"/>
+                </a:solidFill>
+              </a:rPr>
+              <a:t>:</a:t>
+            </a:r>
+            <a:endParaRPr>
+              <a:solidFill>
+                <a:srgbClr val="012F7B"/>
+              </a:solidFill>
+            </a:endParaRPr>
+          </a:p>
+          <a:p>
+            <a:pPr lvl="1" marL="868947" indent="-233947">
+              <a:buSzPct val="100000"/>
+              <a:buAutoNum type="alphaUcPeriod" startAt="1"/>
             </a:pPr>
             <a:r>
-              <a:t>function definition</a:t>
-            </a:r>
-          </a:p>
-          <a:p>
-            <a:pPr>
-              <a:defRPr>
+              <a:rPr>
+                <a:solidFill>
+                  <a:srgbClr val="012F7B"/>
+                </a:solidFill>
+              </a:rPr>
+              <a:t>Why do you think the target is not moving?</a:t>
+            </a:r>
+            <a:endParaRPr>
+              <a:solidFill>
+                <a:srgbClr val="012F7B"/>
+              </a:solidFill>
+            </a:endParaRPr>
+          </a:p>
+          <a:p>
+            <a:pPr lvl="1" marL="868947" indent="-233947">
+              <a:buSzPct val="100000"/>
+              <a:buAutoNum type="alphaUcPeriod" startAt="1"/>
+            </a:pPr>
+            <a:r>
+              <a:rPr>
+                <a:solidFill>
+                  <a:srgbClr val="012F7B"/>
+                </a:solidFill>
+              </a:rPr>
+              <a:t>How can you make the target move to the right at a constant rate?</a:t>
+            </a:r>
+            <a:endParaRPr>
+              <a:solidFill>
+                <a:srgbClr val="012F7B"/>
+              </a:solidFill>
+            </a:endParaRPr>
+          </a:p>
+          <a:p>
+            <a:pPr lvl="1" marL="868947" indent="-233947">
+              <a:buSzPct val="100000"/>
+              <a:buAutoNum type="alphaUcPeriod" startAt="1"/>
+            </a:pPr>
+            <a:r>
+              <a:rPr>
+                <a:solidFill>
+                  <a:srgbClr val="012F7B"/>
+                </a:solidFill>
+              </a:rPr>
+              <a:t>How can you make the target move to the right at An </a:t>
+            </a:r>
+            <a:r>
+              <a:rPr u="sng">
+                <a:solidFill>
+                  <a:srgbClr val="012F7B"/>
+                </a:solidFill>
+              </a:rPr>
+              <a:t>accelerating</a:t>
+            </a:r>
+            <a:r>
+              <a:rPr>
+                <a:solidFill>
+                  <a:srgbClr val="012F7B"/>
+                </a:solidFill>
+              </a:rPr>
+              <a:t> rate?</a:t>
+            </a:r>
+            <a:endParaRPr>
+              <a:solidFill>
+                <a:srgbClr val="012F7B"/>
+              </a:solidFill>
+            </a:endParaRPr>
+          </a:p>
+          <a:p>
+            <a:pPr lvl="1" marL="868947" indent="-233947">
+              <a:buSzPct val="100000"/>
+              <a:buAutoNum type="alphaUcPeriod" startAt="1"/>
+            </a:pPr>
+            <a:r>
+              <a:rPr>
+                <a:solidFill>
+                  <a:srgbClr val="012F7B"/>
+                </a:solidFill>
+              </a:rPr>
+              <a:t>How can you make the target all the way across the screen and then move back to the left?</a:t>
+            </a:r>
+            <a:endParaRPr>
+              <a:solidFill>
+                <a:srgbClr val="012F7B"/>
+              </a:solidFill>
+            </a:endParaRPr>
+          </a:p>
+          <a:p>
+            <a:pPr marL="187157" indent="-187157">
+              <a:buSzPct val="100000"/>
+              <a:buAutoNum type="arabicPeriod" startAt="1"/>
+            </a:pPr>
+            <a:r>
+              <a:rPr>
+                <a:solidFill>
+                  <a:srgbClr val="012F7B"/>
+                </a:solidFill>
+              </a:rPr>
+              <a:t>Answer questions </a:t>
+            </a:r>
+            <a:r>
+              <a:rPr>
                 <a:solidFill>
                   <a:srgbClr val="FF6A00"/>
                 </a:solidFill>
-              </a:defRPr>
-            </a:pPr>
-            <a:r>
-              <a:t>Code that names a function, defines its arguments, and states the expression to compute when code is used</a:t>
-            </a:r>
-          </a:p>
-        </p:txBody>
-      </p:sp>
-      <p:sp>
-        <p:nvSpPr>
-          <p:cNvPr id="202" name="Rectangle"/>
-          <p:cNvSpPr/>
-          <p:nvPr/>
-        </p:nvSpPr>
-        <p:spPr>
-          <a:xfrm>
-            <a:off x="2518174" y="1223059"/>
-            <a:ext cx="5633951" cy="3048741"/>
-          </a:xfrm>
-          <a:prstGeom prst="rect">
-            <a:avLst/>
-          </a:prstGeom>
-          <a:ln w="76200">
-            <a:solidFill>
-              <a:srgbClr val="E22400"/>
-            </a:solidFill>
-          </a:ln>
-        </p:spPr>
-        <p:txBody>
-          <a:bodyPr lIns="0" tIns="0" rIns="0" bIns="0"/>
-          <a:lstStyle/>
-          <a:p>
-            <a:pPr/>
-          </a:p>
-        </p:txBody>
-      </p:sp>
-      <p:sp>
-        <p:nvSpPr>
-          <p:cNvPr id="203" name="REVIEW:"/>
-          <p:cNvSpPr txBox="1"/>
-          <p:nvPr/>
-        </p:nvSpPr>
-        <p:spPr>
-          <a:xfrm>
-            <a:off x="2680617" y="1301016"/>
-            <a:ext cx="760364" cy="215901"/>
-          </a:xfrm>
-          <a:prstGeom prst="rect">
-            <a:avLst/>
-          </a:prstGeom>
-          <a:ln w="12700">
-            <a:miter lim="400000"/>
-          </a:ln>
-          <a:extLst>
-            <a:ext uri="{C572A759-6A51-4108-AA02-DFA0A04FC94B}">
-              <ma14:wrappingTextBoxFlag xmlns:ma14="http://schemas.microsoft.com/office/mac/drawingml/2011/main" val="1"/>
-            </a:ext>
-          </a:extLst>
-        </p:spPr>
-        <p:txBody>
-          <a:bodyPr wrap="none" lIns="0" tIns="0" rIns="0" bIns="0">
-            <a:spAutoFit/>
-          </a:bodyPr>
-          <a:lstStyle>
-            <a:lvl1pPr>
-              <a:defRPr>
+              </a:rPr>
+              <a:t>A</a:t>
+            </a:r>
+            <a:r>
+              <a:rPr>
                 <a:solidFill>
-                  <a:srgbClr val="E22400"/>
+                  <a:srgbClr val="012F7B"/>
                 </a:solidFill>
-              </a:defRPr>
-            </a:lvl1pPr>
-          </a:lstStyle>
-          <a:p>
-            <a:pPr/>
-            <a:r>
-              <a:t>REVIEW:</a:t>
+              </a:rPr>
+              <a:t>-</a:t>
+            </a:r>
+            <a:r>
+              <a:rPr>
+                <a:solidFill>
+                  <a:srgbClr val="FF6A00"/>
+                </a:solidFill>
+              </a:rPr>
+              <a:t>D</a:t>
+            </a:r>
+            <a:r>
+              <a:rPr>
+                <a:solidFill>
+                  <a:srgbClr val="012F7B"/>
+                </a:solidFill>
+              </a:rPr>
+              <a:t> again, this time about the </a:t>
+            </a:r>
+            <a:r>
+              <a:rPr>
+                <a:solidFill>
+                  <a:srgbClr val="FF6A00"/>
+                </a:solidFill>
+                <a:latin typeface="Courier New"/>
+                <a:ea typeface="Courier New"/>
+                <a:cs typeface="Courier New"/>
+                <a:sym typeface="Courier New"/>
+              </a:rPr>
+              <a:t>update-danger()</a:t>
+            </a:r>
+            <a:r>
+              <a:rPr>
+                <a:solidFill>
+                  <a:srgbClr val="012F7B"/>
+                </a:solidFill>
+              </a:rPr>
+              <a:t> functions.</a:t>
             </a:r>
           </a:p>
         </p:txBody>
@@ -6782,453 +7100,7 @@
                                       <p:cBhvr>
                                         <p:cTn id="6" fill="hold"/>
                                         <p:tgtEl>
-                                          <p:spTgt spid="199"/>
-                                        </p:tgtEl>
-                                        <p:attrNameLst>
-                                          <p:attrName>style.visibility</p:attrName>
-                                        </p:attrNameLst>
-                                      </p:cBhvr>
-                                      <p:to>
-                                        <p:strVal val="visible"/>
-                                      </p:to>
-                                    </p:set>
-                                  </p:childTnLst>
-                                </p:cTn>
-                              </p:par>
-                            </p:childTnLst>
-                          </p:cTn>
-                        </p:par>
-                      </p:childTnLst>
-                    </p:cTn>
-                  </p:par>
-                  <p:par>
-                    <p:cTn id="7" fill="hold">
-                      <p:stCondLst>
-                        <p:cond delay="indefinite"/>
-                      </p:stCondLst>
-                      <p:childTnLst>
-                        <p:par>
-                          <p:cTn id="8" fill="hold">
-                            <p:stCondLst>
-                              <p:cond delay="0"/>
-                            </p:stCondLst>
-                            <p:childTnLst>
-                              <p:par>
-                                <p:cTn id="9" presetClass="entr" nodeType="clickEffect" presetSubtype="0" presetID="1" grpId="2" fill="hold">
-                                  <p:stCondLst>
-                                    <p:cond delay="0"/>
-                                  </p:stCondLst>
-                                  <p:iterate type="el" backwards="0">
-                                    <p:tmAbs val="0"/>
-                                  </p:iterate>
-                                  <p:childTnLst>
-                                    <p:set>
-                                      <p:cBhvr>
-                                        <p:cTn id="10" fill="hold"/>
-                                        <p:tgtEl>
-                                          <p:spTgt spid="200"/>
-                                        </p:tgtEl>
-                                        <p:attrNameLst>
-                                          <p:attrName>style.visibility</p:attrName>
-                                        </p:attrNameLst>
-                                      </p:cBhvr>
-                                      <p:to>
-                                        <p:strVal val="visible"/>
-                                      </p:to>
-                                    </p:set>
-                                  </p:childTnLst>
-                                </p:cTn>
-                              </p:par>
-                            </p:childTnLst>
-                          </p:cTn>
-                        </p:par>
-                      </p:childTnLst>
-                    </p:cTn>
-                  </p:par>
-                  <p:par>
-                    <p:cTn id="11" fill="hold">
-                      <p:stCondLst>
-                        <p:cond delay="indefinite"/>
-                      </p:stCondLst>
-                      <p:childTnLst>
-                        <p:par>
-                          <p:cTn id="12" fill="hold">
-                            <p:stCondLst>
-                              <p:cond delay="0"/>
-                            </p:stCondLst>
-                            <p:childTnLst>
-                              <p:par>
-                                <p:cTn id="13" presetClass="entr" nodeType="clickEffect" presetSubtype="0" presetID="1" grpId="3" fill="hold">
-                                  <p:stCondLst>
-                                    <p:cond delay="0"/>
-                                  </p:stCondLst>
-                                  <p:iterate type="el" backwards="0">
-                                    <p:tmAbs val="0"/>
-                                  </p:iterate>
-                                  <p:childTnLst>
-                                    <p:set>
-                                      <p:cBhvr>
-                                        <p:cTn id="14" fill="hold"/>
-                                        <p:tgtEl>
-                                          <p:spTgt spid="201"/>
-                                        </p:tgtEl>
-                                        <p:attrNameLst>
-                                          <p:attrName>style.visibility</p:attrName>
-                                        </p:attrNameLst>
-                                      </p:cBhvr>
-                                      <p:to>
-                                        <p:strVal val="visible"/>
-                                      </p:to>
-                                    </p:set>
-                                  </p:childTnLst>
-                                </p:cTn>
-                              </p:par>
-                            </p:childTnLst>
-                          </p:cTn>
-                        </p:par>
-                      </p:childTnLst>
-                    </p:cTn>
-                  </p:par>
-                </p:childTnLst>
-              </p:cTn>
-              <p:prevCondLst>
-                <p:cond evt="onPrev">
-                  <p:tgtEl>
-                    <p:sldTgt/>
-                  </p:tgtEl>
-                </p:cond>
-              </p:prevCondLst>
-              <p:nextCondLst>
-                <p:cond evt="onNext">
-                  <p:tgtEl>
-                    <p:sldTgt/>
-                  </p:tgtEl>
-                </p:cond>
-              </p:nextCondLst>
-            </p:seq>
-          </p:childTnLst>
-        </p:cTn>
-      </p:par>
-    </p:tnLst>
-    <p:bldLst>
-      <p:bldP build="whole" bldLvl="1" animBg="1" rev="0" advAuto="0" spid="201" grpId="3"/>
-      <p:bldP build="whole" bldLvl="1" animBg="1" rev="0" advAuto="0" spid="199" grpId="1"/>
-      <p:bldP build="whole" bldLvl="1" animBg="1" rev="0" advAuto="0" spid="200" grpId="2"/>
-    </p:bldLst>
-  </p:timing>
-</p:sld>
-</file>
-
-<file path=ppt/slides/slide5.xml><?xml version="1.0" encoding="utf-8"?>
-<p:sld xmlns:a="http://schemas.openxmlformats.org/drawingml/2006/main" xmlns:r="http://schemas.openxmlformats.org/officeDocument/2006/relationships" xmlns:p="http://schemas.openxmlformats.org/presentationml/2006/main" xmlns:m="http://schemas.openxmlformats.org/officeDocument/2006/math" xmlns:a14="http://schemas.microsoft.com/office/drawing/2010/main" showMasterSp="1" showMasterPhAnim="1">
-  <p:cSld>
-    <p:spTree>
-      <p:nvGrpSpPr>
-        <p:cNvPr id="1" name=""/>
-        <p:cNvGrpSpPr/>
-        <p:nvPr/>
-      </p:nvGrpSpPr>
-      <p:grpSpPr>
-        <a:xfrm>
-          <a:off x="0" y="0"/>
-          <a:ext cx="0" cy="0"/>
-          <a:chOff x="0" y="0"/>
-          <a:chExt cx="0" cy="0"/>
-        </a:xfrm>
-      </p:grpSpPr>
-      <p:sp>
-        <p:nvSpPr>
-          <p:cNvPr id="205" name="Do now…"/>
-          <p:cNvSpPr txBox="1"/>
-          <p:nvPr/>
-        </p:nvSpPr>
-        <p:spPr>
-          <a:xfrm>
-            <a:off x="1737811" y="549353"/>
-            <a:ext cx="3876993" cy="547520"/>
-          </a:xfrm>
-          <a:prstGeom prst="rect">
-            <a:avLst/>
-          </a:prstGeom>
-          <a:ln w="25400">
-            <a:solidFill>
-              <a:schemeClr val="accent1"/>
-            </a:solidFill>
-          </a:ln>
-          <a:extLst>
-            <a:ext uri="{C572A759-6A51-4108-AA02-DFA0A04FC94B}">
-              <ma14:wrappingTextBoxFlag xmlns:ma14="http://schemas.microsoft.com/office/mac/drawingml/2011/main" val="1"/>
-            </a:ext>
-          </a:extLst>
-        </p:spPr>
-        <p:txBody>
-          <a:bodyPr lIns="91421" tIns="91421" rIns="91421" bIns="91421">
-            <a:normAutofit fontScale="100000" lnSpcReduction="0"/>
-          </a:bodyPr>
-          <a:lstStyle>
-            <a:lvl1pPr defTabSz="507148">
-              <a:defRPr sz="2000">
-                <a:latin typeface="+mn-lt"/>
-                <a:ea typeface="+mn-ea"/>
-                <a:cs typeface="+mn-cs"/>
-                <a:sym typeface="Arial"/>
-              </a:defRPr>
-            </a:lvl1pPr>
-          </a:lstStyle>
-          <a:p>
-            <a:pPr/>
-            <a:r>
-              <a:t>Coding to learn: getting ready</a:t>
-            </a:r>
-          </a:p>
-        </p:txBody>
-      </p:sp>
-      <p:sp>
-        <p:nvSpPr>
-          <p:cNvPr id="206" name="Open your saved copy of the Rocket Height Starter File at code.pyret.org.  If you didn’t save it, open the file from Google Classroom. Save a copy.…"/>
-          <p:cNvSpPr txBox="1"/>
-          <p:nvPr/>
-        </p:nvSpPr>
-        <p:spPr>
-          <a:xfrm>
-            <a:off x="178084" y="2015079"/>
-            <a:ext cx="3978770" cy="1295401"/>
-          </a:xfrm>
-          <a:prstGeom prst="rect">
-            <a:avLst/>
-          </a:prstGeom>
-          <a:ln w="12700">
-            <a:miter lim="400000"/>
-          </a:ln>
-          <a:extLst>
-            <a:ext uri="{C572A759-6A51-4108-AA02-DFA0A04FC94B}">
-              <ma14:wrappingTextBoxFlag xmlns:ma14="http://schemas.microsoft.com/office/mac/drawingml/2011/main" val="1"/>
-            </a:ext>
-          </a:extLst>
-        </p:spPr>
-        <p:txBody>
-          <a:bodyPr lIns="0" tIns="0" rIns="0" bIns="0">
-            <a:spAutoFit/>
-          </a:bodyPr>
-          <a:lstStyle/>
-          <a:p>
-            <a:pPr marL="187157" indent="-187157">
-              <a:buSzPct val="100000"/>
-              <a:buAutoNum type="arabicPeriod" startAt="1"/>
-              <a:defRPr>
-                <a:solidFill>
-                  <a:schemeClr val="accent3">
-                    <a:lumOff val="-9098"/>
-                  </a:schemeClr>
-                </a:solidFill>
-              </a:defRPr>
-            </a:pPr>
-            <a:r>
-              <a:rPr>
-                <a:solidFill>
-                  <a:schemeClr val="accent1"/>
-                </a:solidFill>
-              </a:rPr>
-              <a:t>Open your saved copy of the </a:t>
-            </a:r>
-            <a:r>
-              <a:rPr b="1">
-                <a:solidFill>
-                  <a:schemeClr val="accent1"/>
-                </a:solidFill>
-              </a:rPr>
-              <a:t>Rocket Height Starter File </a:t>
-            </a:r>
-            <a:r>
-              <a:rPr>
-                <a:solidFill>
-                  <a:schemeClr val="accent1"/>
-                </a:solidFill>
-              </a:rPr>
-              <a:t>at</a:t>
-            </a:r>
-            <a:r>
-              <a:rPr b="1">
-                <a:solidFill>
-                  <a:schemeClr val="accent1"/>
-                </a:solidFill>
-              </a:rPr>
-              <a:t> </a:t>
-            </a:r>
-            <a:r>
-              <a:rPr b="1" u="sng">
-                <a:solidFill>
-                  <a:schemeClr val="accent1"/>
-                </a:solidFill>
-              </a:rPr>
-              <a:t>code.pyret.org</a:t>
-            </a:r>
-            <a:r>
-              <a:rPr b="1">
-                <a:solidFill>
-                  <a:schemeClr val="accent1"/>
-                </a:solidFill>
-              </a:rPr>
-              <a:t>.  </a:t>
-            </a:r>
-            <a:r>
-              <a:rPr>
-                <a:solidFill>
-                  <a:schemeClr val="accent1"/>
-                </a:solidFill>
-              </a:rPr>
-              <a:t>If you didn’t save it, open the file from Google Classroom. Save a copy. </a:t>
-            </a:r>
-            <a:endParaRPr>
-              <a:solidFill>
-                <a:schemeClr val="accent1"/>
-              </a:solidFill>
-            </a:endParaRPr>
-          </a:p>
-          <a:p>
-            <a:pPr marL="187157" indent="-187157">
-              <a:buSzPct val="100000"/>
-              <a:buAutoNum type="arabicPeriod" startAt="1"/>
-              <a:defRPr>
-                <a:solidFill>
-                  <a:schemeClr val="accent3">
-                    <a:lumOff val="-9098"/>
-                  </a:schemeClr>
-                </a:solidFill>
-              </a:defRPr>
-            </a:pPr>
-            <a:r>
-              <a:rPr>
-                <a:solidFill>
-                  <a:schemeClr val="accent1"/>
-                </a:solidFill>
-              </a:rPr>
-              <a:t>Get out a sheet of loose leaf paper. You’ll be turning this in at the end of the period.</a:t>
-            </a:r>
-          </a:p>
-        </p:txBody>
-      </p:sp>
-      <p:pic>
-        <p:nvPicPr>
-          <p:cNvPr id="207" name="ksc-20190725-ph_apg05_0040_large.jpg" descr="ksc-20190725-ph_apg05_0040_large.jpg"/>
-          <p:cNvPicPr>
-            <a:picLocks noChangeAspect="1"/>
-          </p:cNvPicPr>
-          <p:nvPr/>
-        </p:nvPicPr>
-        <p:blipFill>
-          <a:blip r:embed="rId2">
-            <a:extLst/>
-          </a:blip>
-          <a:stretch>
-            <a:fillRect/>
-          </a:stretch>
-        </p:blipFill>
-        <p:spPr>
-          <a:xfrm>
-            <a:off x="4771260" y="1533063"/>
-            <a:ext cx="3636422" cy="2418600"/>
-          </a:xfrm>
-          <a:prstGeom prst="rect">
-            <a:avLst/>
-          </a:prstGeom>
-          <a:ln w="12700">
-            <a:miter lim="400000"/>
-          </a:ln>
-        </p:spPr>
-      </p:pic>
-      <p:sp>
-        <p:nvSpPr>
-          <p:cNvPr id="208" name="be sure to:"/>
-          <p:cNvSpPr txBox="1"/>
-          <p:nvPr/>
-        </p:nvSpPr>
-        <p:spPr>
-          <a:xfrm>
-            <a:off x="253758" y="1472550"/>
-            <a:ext cx="1537594" cy="368301"/>
-          </a:xfrm>
-          <a:prstGeom prst="rect">
-            <a:avLst/>
-          </a:prstGeom>
-          <a:ln w="12700">
-            <a:miter lim="400000"/>
-          </a:ln>
-          <a:extLst>
-            <a:ext uri="{C572A759-6A51-4108-AA02-DFA0A04FC94B}">
-              <ma14:wrappingTextBoxFlag xmlns:ma14="http://schemas.microsoft.com/office/mac/drawingml/2011/main" val="1"/>
-            </a:ext>
-          </a:extLst>
-        </p:spPr>
-        <p:txBody>
-          <a:bodyPr wrap="none" lIns="0" tIns="0" rIns="0" bIns="0">
-            <a:spAutoFit/>
-          </a:bodyPr>
-          <a:lstStyle/>
-          <a:p>
-            <a:pPr defTabSz="507148">
-              <a:defRPr sz="2400">
-                <a:solidFill>
-                  <a:schemeClr val="accent5"/>
-                </a:solidFill>
-              </a:defRPr>
-            </a:pPr>
-            <a:r>
-              <a:t>be sure to:</a:t>
-            </a:r>
-            <a:r>
-              <a:rPr>
-                <a:solidFill>
-                  <a:schemeClr val="accent5">
-                    <a:lumOff val="-9843"/>
-                  </a:schemeClr>
-                </a:solidFill>
-              </a:rPr>
-              <a:t> </a:t>
-            </a:r>
-          </a:p>
-        </p:txBody>
-      </p:sp>
-    </p:spTree>
-  </p:cSld>
-  <p:clrMapOvr>
-    <a:masterClrMapping/>
-  </p:clrMapOvr>
-  <p:transition xmlns:p14="http://schemas.microsoft.com/office/powerpoint/2010/main" spd="med" advClick="1"/>
-  <p:timing>
-    <p:tnLst>
-      <p:par>
-        <p:cTn id="1" nodeType="tmRoot" restart="never" dur="indefinite" fill="hold">
-          <p:childTnLst>
-            <p:seq concurrent="1" prevAc="none" nextAc="seek">
-              <p:cTn id="2" nodeType="mainSeq" dur="indefinite" fill="hold">
-                <p:childTnLst>
-                  <p:par>
-                    <p:cTn id="3" fill="hold">
-                      <p:stCondLst>
-                        <p:cond delay="indefinite"/>
-                      </p:stCondLst>
-                      <p:childTnLst>
-                        <p:par>
-                          <p:cTn id="4" fill="hold">
-                            <p:stCondLst>
-                              <p:cond delay="0"/>
-                            </p:stCondLst>
-                            <p:childTnLst>
-                              <p:par>
-                                <p:cTn id="5" presetClass="entr" nodeType="clickEffect" presetSubtype="0" presetID="1" grpId="1" fill="hold">
-                                  <p:stCondLst>
-                                    <p:cond delay="0"/>
-                                  </p:stCondLst>
-                                  <p:iterate type="el" backwards="0">
-                                    <p:tmAbs val="0"/>
-                                  </p:iterate>
-                                  <p:childTnLst>
-                                    <p:set>
-                                      <p:cBhvr>
-                                        <p:cTn id="6" fill="hold"/>
-                                        <p:tgtEl>
-                                          <p:spTgt spid="206">
+                                          <p:spTgt spid="205">
                                             <p:bg/>
                                           </p:spTgt>
                                         </p:tgtEl>
@@ -7256,7 +7128,7 @@
                                       <p:cBhvr>
                                         <p:cTn id="8" fill="hold"/>
                                         <p:tgtEl>
-                                          <p:spTgt spid="206">
+                                          <p:spTgt spid="205">
                                             <p:txEl>
                                               <p:pRg st="0" end="0"/>
                                             </p:txEl>
@@ -7304,479 +7176,7 @@
                                       <p:cBhvr>
                                         <p:cTn id="12" fill="hold"/>
                                         <p:tgtEl>
-                                          <p:spTgt spid="206">
-                                            <p:txEl>
-                                              <p:pRg st="1" end="1"/>
-                                            </p:txEl>
-                                          </p:spTgt>
-                                        </p:tgtEl>
-                                        <p:attrNameLst>
-                                          <p:attrName>style.visibility</p:attrName>
-                                        </p:attrNameLst>
-                                      </p:cBhvr>
-                                      <p:to>
-                                        <p:strVal val="visible"/>
-                                      </p:to>
-                                    </p:set>
-                                  </p:childTnLst>
-                                </p:cTn>
-                              </p:par>
-                            </p:childTnLst>
-                          </p:cTn>
-                        </p:par>
-                      </p:childTnLst>
-                    </p:cTn>
-                  </p:par>
-                </p:childTnLst>
-              </p:cTn>
-              <p:prevCondLst>
-                <p:cond evt="onPrev">
-                  <p:tgtEl>
-                    <p:sldTgt/>
-                  </p:tgtEl>
-                </p:cond>
-              </p:prevCondLst>
-              <p:nextCondLst>
-                <p:cond evt="onNext">
-                  <p:tgtEl>
-                    <p:sldTgt/>
-                  </p:tgtEl>
-                </p:cond>
-              </p:nextCondLst>
-            </p:seq>
-          </p:childTnLst>
-        </p:cTn>
-      </p:par>
-    </p:tnLst>
-    <p:bldLst>
-      <p:bldP build="p" bldLvl="5" animBg="1" rev="0" advAuto="0" spid="206" grpId="1"/>
-    </p:bldLst>
-  </p:timing>
-</p:sld>
-</file>
-
-<file path=ppt/slides/slide6.xml><?xml version="1.0" encoding="utf-8"?>
-<p:sld xmlns:a="http://schemas.openxmlformats.org/drawingml/2006/main" xmlns:r="http://schemas.openxmlformats.org/officeDocument/2006/relationships" xmlns:p="http://schemas.openxmlformats.org/presentationml/2006/main" xmlns:m="http://schemas.openxmlformats.org/officeDocument/2006/math" xmlns:a14="http://schemas.microsoft.com/office/drawing/2010/main" showMasterSp="1" showMasterPhAnim="1">
-  <p:cSld>
-    <p:spTree>
-      <p:nvGrpSpPr>
-        <p:cNvPr id="1" name=""/>
-        <p:cNvGrpSpPr/>
-        <p:nvPr/>
-      </p:nvGrpSpPr>
-      <p:grpSpPr>
-        <a:xfrm>
-          <a:off x="0" y="0"/>
-          <a:ext cx="0" cy="0"/>
-          <a:chOff x="0" y="0"/>
-          <a:chExt cx="0" cy="0"/>
-        </a:xfrm>
-      </p:grpSpPr>
-      <p:sp>
-        <p:nvSpPr>
-          <p:cNvPr id="210" name="Coding to learn: activity"/>
-          <p:cNvSpPr txBox="1"/>
-          <p:nvPr/>
-        </p:nvSpPr>
-        <p:spPr>
-          <a:xfrm>
-            <a:off x="1526076" y="67844"/>
-            <a:ext cx="3396394" cy="381001"/>
-          </a:xfrm>
-          <a:prstGeom prst="rect">
-            <a:avLst/>
-          </a:prstGeom>
-          <a:ln w="12700">
-            <a:solidFill>
-              <a:srgbClr val="012F7B"/>
-            </a:solidFill>
-            <a:miter lim="400000"/>
-          </a:ln>
-          <a:extLst>
-            <a:ext uri="{C572A759-6A51-4108-AA02-DFA0A04FC94B}">
-              <ma14:wrappingTextBoxFlag xmlns:ma14="http://schemas.microsoft.com/office/mac/drawingml/2011/main" val="1"/>
-            </a:ext>
-          </a:extLst>
-        </p:spPr>
-        <p:txBody>
-          <a:bodyPr lIns="0" tIns="0" rIns="0" bIns="0">
-            <a:spAutoFit/>
-          </a:bodyPr>
-          <a:lstStyle>
-            <a:lvl1pPr>
-              <a:defRPr sz="2400"/>
-            </a:lvl1pPr>
-          </a:lstStyle>
-          <a:p>
-            <a:pPr/>
-            <a:r>
-              <a:t>Coding to learn: activity</a:t>
-            </a:r>
-          </a:p>
-        </p:txBody>
-      </p:sp>
-      <p:sp>
-        <p:nvSpPr>
-          <p:cNvPr id="211" name="Be sure to:…"/>
-          <p:cNvSpPr txBox="1"/>
-          <p:nvPr/>
-        </p:nvSpPr>
-        <p:spPr>
-          <a:xfrm>
-            <a:off x="53808" y="582300"/>
-            <a:ext cx="6340930" cy="4114801"/>
-          </a:xfrm>
-          <a:prstGeom prst="rect">
-            <a:avLst/>
-          </a:prstGeom>
-          <a:solidFill>
-            <a:srgbClr val="FFFFFF"/>
-          </a:solidFill>
-          <a:ln w="12700">
-            <a:solidFill>
-              <a:srgbClr val="0056D6"/>
-            </a:solidFill>
-            <a:miter lim="400000"/>
-          </a:ln>
-          <a:extLst>
-            <a:ext uri="{C572A759-6A51-4108-AA02-DFA0A04FC94B}">
-              <ma14:wrappingTextBoxFlag xmlns:ma14="http://schemas.microsoft.com/office/mac/drawingml/2011/main" val="1"/>
-            </a:ext>
-          </a:extLst>
-        </p:spPr>
-        <p:txBody>
-          <a:bodyPr lIns="0" tIns="0" rIns="0" bIns="0">
-            <a:spAutoFit/>
-          </a:bodyPr>
-          <a:lstStyle/>
-          <a:p>
-            <a:pPr>
-              <a:defRPr>
-                <a:solidFill>
-                  <a:schemeClr val="accent5">
-                    <a:satOff val="-3088"/>
-                    <a:lumOff val="12696"/>
-                  </a:schemeClr>
-                </a:solidFill>
-              </a:defRPr>
-            </a:pPr>
-            <a:r>
-              <a:t>Be sure to: </a:t>
-            </a:r>
-          </a:p>
-          <a:p>
-            <a:pPr/>
-            <a:r>
-              <a:t>Work with your partner to answer the questions below on a </a:t>
-            </a:r>
-            <a:r>
-              <a:rPr>
-                <a:solidFill>
-                  <a:srgbClr val="011D57"/>
-                </a:solidFill>
-              </a:rPr>
-              <a:t>sheet of loose leaf</a:t>
-            </a:r>
-            <a:r>
-              <a:t>.  Be prepared to share out at the end of class!  You’ll be turning this in.</a:t>
-            </a:r>
-            <a:endParaRPr>
-              <a:solidFill>
-                <a:srgbClr val="012F7B"/>
-              </a:solidFill>
-            </a:endParaRPr>
-          </a:p>
-          <a:p>
-            <a:pPr marL="187157" indent="-187157">
-              <a:buSzPct val="100000"/>
-              <a:buAutoNum type="arabicPeriod" startAt="1"/>
-            </a:pPr>
-            <a:r>
-              <a:rPr>
-                <a:solidFill>
-                  <a:srgbClr val="012F7B"/>
-                </a:solidFill>
-              </a:rPr>
-              <a:t>You want your rocket to reach its maximum hight after </a:t>
-            </a:r>
-            <a:r>
-              <a:rPr>
-                <a:solidFill>
-                  <a:schemeClr val="accent5"/>
-                </a:solidFill>
-              </a:rPr>
-              <a:t>exactly 400 meters</a:t>
-            </a:r>
-            <a:r>
-              <a:rPr>
-                <a:solidFill>
-                  <a:srgbClr val="012F7B"/>
-                </a:solidFill>
-              </a:rPr>
-              <a:t> and then land after </a:t>
-            </a:r>
-            <a:r>
-              <a:rPr>
-                <a:solidFill>
-                  <a:srgbClr val="FF6A00"/>
-                </a:solidFill>
-              </a:rPr>
-              <a:t>40 sec</a:t>
-            </a:r>
-            <a:r>
-              <a:rPr>
-                <a:solidFill>
-                  <a:srgbClr val="012F7B"/>
-                </a:solidFill>
-              </a:rPr>
-              <a:t>.</a:t>
-            </a:r>
-            <a:endParaRPr>
-              <a:solidFill>
-                <a:srgbClr val="012F7B"/>
-              </a:solidFill>
-            </a:endParaRPr>
-          </a:p>
-          <a:p>
-            <a:pPr lvl="1" marL="868947" indent="-233947">
-              <a:buSzPct val="100000"/>
-              <a:buAutoNum type="alphaUcPeriod" startAt="1"/>
-            </a:pPr>
-            <a:r>
-              <a:rPr>
-                <a:solidFill>
-                  <a:srgbClr val="012F7B"/>
-                </a:solidFill>
-              </a:rPr>
-              <a:t>Sketch a graph of this situation by hand. Identify the family of this function, its other properties, and how it is transformed from its parent.  Use this information to find the function (review from yesterday’s do now).</a:t>
-            </a:r>
-            <a:endParaRPr>
-              <a:solidFill>
-                <a:srgbClr val="012F7B"/>
-              </a:solidFill>
-            </a:endParaRPr>
-          </a:p>
-          <a:p>
-            <a:pPr lvl="1" marL="868947" indent="-233947">
-              <a:buSzPct val="100000"/>
-              <a:buAutoNum type="alphaUcPeriod" startAt="1"/>
-            </a:pPr>
-            <a:r>
-              <a:rPr>
-                <a:solidFill>
-                  <a:srgbClr val="012F7B"/>
-                </a:solidFill>
-              </a:rPr>
-              <a:t>Model your function in Pyret.  Explain whether it behaves as expected.  If it doesn’t, figure out what you did wrong and try again!</a:t>
-            </a:r>
-            <a:endParaRPr>
-              <a:solidFill>
-                <a:srgbClr val="012F7B"/>
-              </a:solidFill>
-            </a:endParaRPr>
-          </a:p>
-          <a:p>
-            <a:pPr marL="187157" indent="-187157">
-              <a:buSzPct val="100000"/>
-              <a:buAutoNum type="arabicPeriod" startAt="1"/>
-            </a:pPr>
-            <a:r>
-              <a:rPr>
-                <a:solidFill>
-                  <a:srgbClr val="012F7B"/>
-                </a:solidFill>
-              </a:rPr>
-              <a:t>Make the rocket reach its maximum height in </a:t>
-            </a:r>
-            <a:r>
-              <a:rPr>
-                <a:solidFill>
-                  <a:schemeClr val="accent5"/>
-                </a:solidFill>
-              </a:rPr>
-              <a:t>exactly 15 sec. </a:t>
-            </a:r>
-            <a:r>
-              <a:rPr>
-                <a:solidFill>
-                  <a:schemeClr val="accent1">
-                    <a:lumOff val="-6117"/>
-                  </a:schemeClr>
-                </a:solidFill>
-              </a:rPr>
-              <a:t>and then land.  Sketch the graph, and write the function in your notebook. Then model it in Pyret to test if the function works as expected, explain why or why not in your notes.</a:t>
-            </a:r>
-            <a:endParaRPr>
-              <a:solidFill>
-                <a:schemeClr val="accent1">
-                  <a:lumOff val="-6117"/>
-                </a:schemeClr>
-              </a:solidFill>
-            </a:endParaRPr>
-          </a:p>
-          <a:p>
-            <a:pPr marL="187157" indent="-187157">
-              <a:buSzPct val="100000"/>
-              <a:buAutoNum type="arabicPeriod" startAt="1"/>
-            </a:pPr>
-            <a:r>
-              <a:rPr>
-                <a:solidFill>
-                  <a:schemeClr val="accent1">
-                    <a:lumOff val="-6117"/>
-                  </a:schemeClr>
-                </a:solidFill>
-              </a:rPr>
-              <a:t>Make observations about the speed of your rocket at different moments in time .  Try this for a variety of functions for rocket height (quadratic, cubic,etc.) Write down your observations in your notes,  What can you conclude about the relationship between the rockers height and its speed? </a:t>
-            </a:r>
-          </a:p>
-        </p:txBody>
-      </p:sp>
-      <p:pic>
-        <p:nvPicPr>
-          <p:cNvPr id="212" name="rocket_recording.gif" descr="rocket_recording.gif"/>
-          <p:cNvPicPr>
-            <a:picLocks noChangeAspect="0"/>
-          </p:cNvPicPr>
-          <p:nvPr/>
-        </p:nvPicPr>
-        <p:blipFill>
-          <a:blip r:embed="rId3">
-            <a:extLst/>
-          </a:blip>
-          <a:stretch>
-            <a:fillRect/>
-          </a:stretch>
-        </p:blipFill>
-        <p:spPr>
-          <a:xfrm>
-            <a:off x="6551262" y="575950"/>
-            <a:ext cx="2466243" cy="3564696"/>
-          </a:xfrm>
-          <a:prstGeom prst="rect">
-            <a:avLst/>
-          </a:prstGeom>
-          <a:ln w="12700">
-            <a:miter lim="400000"/>
-          </a:ln>
-        </p:spPr>
-      </p:pic>
-    </p:spTree>
-  </p:cSld>
-  <p:clrMapOvr>
-    <a:masterClrMapping/>
-  </p:clrMapOvr>
-  <p:transition xmlns:p14="http://schemas.microsoft.com/office/powerpoint/2010/main" spd="med" advClick="1"/>
-  <p:timing>
-    <p:tnLst>
-      <p:par>
-        <p:cTn id="1" nodeType="tmRoot" restart="never" dur="indefinite" fill="hold">
-          <p:childTnLst>
-            <p:seq concurrent="1" prevAc="none" nextAc="seek">
-              <p:cTn id="2" nodeType="mainSeq" dur="indefinite" fill="hold">
-                <p:childTnLst>
-                  <p:par>
-                    <p:cTn id="3" fill="hold">
-                      <p:stCondLst>
-                        <p:cond delay="indefinite"/>
-                      </p:stCondLst>
-                      <p:childTnLst>
-                        <p:par>
-                          <p:cTn id="4" fill="hold">
-                            <p:stCondLst>
-                              <p:cond delay="0"/>
-                            </p:stCondLst>
-                            <p:childTnLst>
-                              <p:par>
-                                <p:cTn id="5" presetClass="entr" nodeType="clickEffect" presetSubtype="0" presetID="1" grpId="1" fill="hold">
-                                  <p:stCondLst>
-                                    <p:cond delay="0"/>
-                                  </p:stCondLst>
-                                  <p:iterate type="el" backwards="0">
-                                    <p:tmAbs val="0"/>
-                                  </p:iterate>
-                                  <p:childTnLst>
-                                    <p:set>
-                                      <p:cBhvr>
-                                        <p:cTn id="6" fill="hold"/>
-                                        <p:tgtEl>
-                                          <p:spTgt spid="211">
-                                            <p:bg/>
-                                          </p:spTgt>
-                                        </p:tgtEl>
-                                        <p:attrNameLst>
-                                          <p:attrName>style.visibility</p:attrName>
-                                        </p:attrNameLst>
-                                      </p:cBhvr>
-                                      <p:to>
-                                        <p:strVal val="visible"/>
-                                      </p:to>
-                                    </p:set>
-                                  </p:childTnLst>
-                                </p:cTn>
-                              </p:par>
-                              <p:par>
-                                <p:cTn id="7" presetClass="entr" nodeType="withEffect" presetSubtype="0" presetID="1" grpId="1" fill="hold">
-                                  <p:stCondLst>
-                                    <p:cond delay="0"/>
-                                  </p:stCondLst>
-                                  <p:iterate type="el" backwards="0">
-                                    <p:tmAbs val="0"/>
-                                  </p:iterate>
-                                  <p:childTnLst>
-                                    <p:set>
-                                      <p:cBhvr>
-                                        <p:cTn id="8" fill="hold"/>
-                                        <p:tgtEl>
-                                          <p:spTgt spid="211">
-                                            <p:txEl>
-                                              <p:pRg st="0" end="0"/>
-                                            </p:txEl>
-                                          </p:spTgt>
-                                        </p:tgtEl>
-                                        <p:attrNameLst>
-                                          <p:attrName>style.visibility</p:attrName>
-                                        </p:attrNameLst>
-                                      </p:cBhvr>
-                                      <p:to>
-                                        <p:strVal val="visible"/>
-                                      </p:to>
-                                    </p:set>
-                                  </p:childTnLst>
-                                </p:cTn>
-                              </p:par>
-                            </p:childTnLst>
-                          </p:cTn>
-                        </p:par>
-                      </p:childTnLst>
-                    </p:cTn>
-                  </p:par>
-                  <p:par>
-                    <p:cTn id="9" fill="hold">
-                      <p:stCondLst>
-                        <p:cond delay="indefinite"/>
-                      </p:stCondLst>
-                      <p:childTnLst>
-                        <p:par>
-                          <p:cTn id="10" fill="hold">
-                            <p:stCondLst>
-                              <p:cond delay="0"/>
-                            </p:stCondLst>
-                            <p:childTnLst>
-                              <p:par>
-                                <p:cTn id="11" presetClass="entr" nodeType="clickEffect" presetSubtype="0" presetID="1" grpId="1" fill="hold">
-                                  <p:stCondLst>
-                                    <p:cond delay="0"/>
-                                  </p:stCondLst>
-                                  <p:iterate type="el" backwards="0">
-                                    <p:tmAbs val="0"/>
-                                  </p:iterate>
-                                  <p:childTnLst>
-                                    <p:set>
-                                      <p:cBhvr>
-                                        <p:cTn id="12" fill="hold"/>
-                                        <p:tgtEl>
-                                          <p:spTgt spid="211">
+                                          <p:spTgt spid="205">
                                             <p:txEl>
                                               <p:pRg st="1" end="1"/>
                                             </p:txEl>
@@ -7824,7 +7224,7 @@
                                       <p:cBhvr>
                                         <p:cTn id="16" fill="hold"/>
                                         <p:tgtEl>
-                                          <p:spTgt spid="211">
+                                          <p:spTgt spid="205">
                                             <p:txEl>
                                               <p:pRg st="2" end="2"/>
                                             </p:txEl>
@@ -7872,7 +7272,7 @@
                                       <p:cBhvr>
                                         <p:cTn id="20" fill="hold"/>
                                         <p:tgtEl>
-                                          <p:spTgt spid="211">
+                                          <p:spTgt spid="205">
                                             <p:txEl>
                                               <p:pRg st="3" end="3"/>
                                             </p:txEl>
@@ -7920,7 +7320,7 @@
                                       <p:cBhvr>
                                         <p:cTn id="24" fill="hold"/>
                                         <p:tgtEl>
-                                          <p:spTgt spid="211">
+                                          <p:spTgt spid="205">
                                             <p:txEl>
                                               <p:pRg st="4" end="4"/>
                                             </p:txEl>
@@ -7968,7 +7368,7 @@
                                       <p:cBhvr>
                                         <p:cTn id="28" fill="hold"/>
                                         <p:tgtEl>
-                                          <p:spTgt spid="211">
+                                          <p:spTgt spid="205">
                                             <p:txEl>
                                               <p:pRg st="5" end="5"/>
                                             </p:txEl>
@@ -8016,9 +7416,105 @@
                                       <p:cBhvr>
                                         <p:cTn id="32" fill="hold"/>
                                         <p:tgtEl>
-                                          <p:spTgt spid="211">
+                                          <p:spTgt spid="205">
                                             <p:txEl>
                                               <p:pRg st="6" end="6"/>
+                                            </p:txEl>
+                                          </p:spTgt>
+                                        </p:tgtEl>
+                                        <p:attrNameLst>
+                                          <p:attrName>style.visibility</p:attrName>
+                                        </p:attrNameLst>
+                                      </p:cBhvr>
+                                      <p:to>
+                                        <p:strVal val="visible"/>
+                                      </p:to>
+                                    </p:set>
+                                  </p:childTnLst>
+                                </p:cTn>
+                              </p:par>
+                            </p:childTnLst>
+                          </p:cTn>
+                        </p:par>
+                      </p:childTnLst>
+                    </p:cTn>
+                  </p:par>
+                  <p:par>
+                    <p:cTn id="33" fill="hold">
+                      <p:stCondLst>
+                        <p:cond delay="indefinite"/>
+                      </p:stCondLst>
+                      <p:childTnLst>
+                        <p:par>
+                          <p:cTn id="34" fill="hold">
+                            <p:stCondLst>
+                              <p:cond delay="0"/>
+                            </p:stCondLst>
+                            <p:childTnLst>
+                              <p:par>
+                                <p:cTn id="35" presetClass="entr" nodeType="clickEffect" presetSubtype="0" presetID="1" grpId="1" fill="hold">
+                                  <p:stCondLst>
+                                    <p:cond delay="0"/>
+                                  </p:stCondLst>
+                                  <p:iterate type="el" backwards="0">
+                                    <p:tmAbs val="0"/>
+                                  </p:iterate>
+                                  <p:childTnLst>
+                                    <p:set>
+                                      <p:cBhvr>
+                                        <p:cTn id="36" fill="hold"/>
+                                        <p:tgtEl>
+                                          <p:spTgt spid="205">
+                                            <p:txEl>
+                                              <p:pRg st="7" end="7"/>
+                                            </p:txEl>
+                                          </p:spTgt>
+                                        </p:tgtEl>
+                                        <p:attrNameLst>
+                                          <p:attrName>style.visibility</p:attrName>
+                                        </p:attrNameLst>
+                                      </p:cBhvr>
+                                      <p:to>
+                                        <p:strVal val="visible"/>
+                                      </p:to>
+                                    </p:set>
+                                  </p:childTnLst>
+                                </p:cTn>
+                              </p:par>
+                            </p:childTnLst>
+                          </p:cTn>
+                        </p:par>
+                      </p:childTnLst>
+                    </p:cTn>
+                  </p:par>
+                  <p:par>
+                    <p:cTn id="37" fill="hold">
+                      <p:stCondLst>
+                        <p:cond delay="indefinite"/>
+                      </p:stCondLst>
+                      <p:childTnLst>
+                        <p:par>
+                          <p:cTn id="38" fill="hold">
+                            <p:stCondLst>
+                              <p:cond delay="0"/>
+                            </p:stCondLst>
+                            <p:childTnLst>
+                              <p:par>
+                                <p:cTn id="39" presetClass="entr" nodeType="clickEffect" presetSubtype="0" presetID="1" grpId="1" fill="hold">
+                                  <p:stCondLst>
+                                    <p:cond delay="0"/>
+                                  </p:stCondLst>
+                                  <p:iterate type="el" backwards="0">
+                                    <p:tmAbs val="0"/>
+                                  </p:iterate>
+                                  <p:childTnLst>
+                                    <p:set>
+                                      <p:cBhvr>
+                                        <p:cTn id="40" fill="hold"/>
+                                        <p:tgtEl>
+                                          <p:spTgt spid="205">
+                                            <p:txEl>
+                                              <p:pRg st="8" end="8"/>
                                             </p:txEl>
                                           </p:spTgt>
                                         </p:tgtEl>
@@ -8061,13 +7557,13 @@
       </p:par>
     </p:tnLst>
     <p:bldLst>
-      <p:bldP build="p" bldLvl="5" animBg="1" rev="0" advAuto="0" spid="211" grpId="1"/>
+      <p:bldP build="p" bldLvl="5" animBg="1" rev="0" advAuto="0" spid="205" grpId="1"/>
     </p:bldLst>
   </p:timing>
 </p:sld>
 </file>
 
-<file path=ppt/slides/slide7.xml><?xml version="1.0" encoding="utf-8"?>
+<file path=ppt/slides/slide6.xml><?xml version="1.0" encoding="utf-8"?>
 <p:sld xmlns:a="http://schemas.openxmlformats.org/drawingml/2006/main" xmlns:r="http://schemas.openxmlformats.org/officeDocument/2006/relationships" xmlns:p="http://schemas.openxmlformats.org/presentationml/2006/main" xmlns:m="http://schemas.openxmlformats.org/officeDocument/2006/math" xmlns:a14="http://schemas.microsoft.com/office/drawing/2010/main" showMasterSp="1" showMasterPhAnim="1">
   <p:cSld>
     <p:spTree>
@@ -8086,7 +7582,7 @@
       </p:grpSpPr>
       <p:sp>
         <p:nvSpPr>
-          <p:cNvPr id="216" name="Coding to learn: debrief"/>
+          <p:cNvPr id="209" name="Double-click to edit"/>
           <p:cNvSpPr txBox="1"/>
           <p:nvPr>
             <p:ph type="title"/>
@@ -8099,173 +7595,17 @@
         </p:spPr>
         <p:txBody>
           <a:bodyPr/>
-          <a:lstStyle>
-            <a:lvl1pPr defTabSz="886968">
-              <a:defRPr sz="2910">
-                <a:solidFill>
-                  <a:srgbClr val="FF6A00"/>
-                </a:solidFill>
-              </a:defRPr>
-            </a:lvl1pPr>
-          </a:lstStyle>
-          <a:p>
-            <a:pPr/>
-            <a:r>
-              <a:t>Coding to learn: debrief</a:t>
-            </a:r>
+          <a:lstStyle/>
+          <a:p>
+            <a:pPr defTabSz="886968">
+              <a:defRPr sz="2910"/>
+            </a:pPr>
           </a:p>
         </p:txBody>
       </p:sp>
       <p:sp>
         <p:nvSpPr>
-          <p:cNvPr id="217" name="Share out your solutions to the first problem! What was challenging about this activity?…"/>
-          <p:cNvSpPr txBox="1"/>
-          <p:nvPr>
-            <p:ph type="body" sz="quarter" idx="1"/>
-          </p:nvPr>
-        </p:nvSpPr>
-        <p:spPr>
-          <a:xfrm>
-            <a:off x="746141" y="1419278"/>
-            <a:ext cx="2821983" cy="3002402"/>
-          </a:xfrm>
-          <a:prstGeom prst="rect">
-            <a:avLst/>
-          </a:prstGeom>
-        </p:spPr>
-        <p:txBody>
-          <a:bodyPr/>
-          <a:lstStyle/>
-          <a:p>
-            <a:pPr marL="443484" indent="-332613" defTabSz="886968">
-              <a:buSzPts val="1700"/>
-              <a:defRPr sz="1746"/>
-            </a:pPr>
-            <a:r>
-              <a:t>Share out your solutions to the first problem! What was challenging about this activity?</a:t>
-            </a:r>
-          </a:p>
-          <a:p>
-            <a:pPr marL="443484" indent="-332613" defTabSz="886968">
-              <a:buSzPts val="1700"/>
-              <a:defRPr sz="1746"/>
-            </a:pPr>
-            <a:r>
-              <a:t>When you first modeled your function in Pyret, how did you identify if it worked?</a:t>
-            </a:r>
-          </a:p>
-        </p:txBody>
-      </p:sp>
-      <p:pic>
-        <p:nvPicPr>
-          <p:cNvPr id="218" name="rocket_recording.gif" descr="rocket_recording.gif"/>
-          <p:cNvPicPr>
-            <a:picLocks noChangeAspect="0"/>
-          </p:cNvPicPr>
-          <p:nvPr/>
-        </p:nvPicPr>
-        <p:blipFill>
-          <a:blip r:embed="rId2">
-            <a:extLst/>
-          </a:blip>
-          <a:stretch>
-            <a:fillRect/>
-          </a:stretch>
-        </p:blipFill>
-        <p:spPr>
-          <a:xfrm>
-            <a:off x="3804391" y="1489262"/>
-            <a:ext cx="2028800" cy="2932418"/>
-          </a:xfrm>
-          <a:prstGeom prst="rect">
-            <a:avLst/>
-          </a:prstGeom>
-          <a:ln w="12700">
-            <a:miter lim="400000"/>
-          </a:ln>
-        </p:spPr>
-      </p:pic>
-      <p:pic>
-        <p:nvPicPr>
-          <p:cNvPr id="219" name="Image" descr="Image"/>
-          <p:cNvPicPr>
-            <a:picLocks noChangeAspect="1"/>
-          </p:cNvPicPr>
-          <p:nvPr/>
-        </p:nvPicPr>
-        <p:blipFill>
-          <a:blip r:embed="rId3">
-            <a:extLst/>
-          </a:blip>
-          <a:stretch>
-            <a:fillRect/>
-          </a:stretch>
-        </p:blipFill>
-        <p:spPr>
-          <a:xfrm>
-            <a:off x="5891464" y="1419278"/>
-            <a:ext cx="3186127" cy="3155193"/>
-          </a:xfrm>
-          <a:prstGeom prst="rect">
-            <a:avLst/>
-          </a:prstGeom>
-          <a:ln w="12700">
-            <a:miter lim="400000"/>
-          </a:ln>
-        </p:spPr>
-      </p:pic>
-    </p:spTree>
-  </p:cSld>
-  <p:clrMapOvr>
-    <a:masterClrMapping/>
-  </p:clrMapOvr>
-  <p:transition xmlns:p14="http://schemas.microsoft.com/office/powerpoint/2010/main" spd="med" advClick="1"/>
-</p:sld>
-</file>
-
-<file path=ppt/slides/slide8.xml><?xml version="1.0" encoding="utf-8"?>
-<p:sld xmlns:a="http://schemas.openxmlformats.org/drawingml/2006/main" xmlns:r="http://schemas.openxmlformats.org/officeDocument/2006/relationships" xmlns:p="http://schemas.openxmlformats.org/presentationml/2006/main" xmlns:m="http://schemas.openxmlformats.org/officeDocument/2006/math" xmlns:a14="http://schemas.microsoft.com/office/drawing/2010/main" showMasterSp="1" showMasterPhAnim="1">
-  <p:cSld>
-    <p:spTree>
-      <p:nvGrpSpPr>
-        <p:cNvPr id="1" name=""/>
-        <p:cNvGrpSpPr/>
-        <p:nvPr/>
-      </p:nvGrpSpPr>
-      <p:grpSpPr>
-        <a:xfrm>
-          <a:off x="0" y="0"/>
-          <a:ext cx="0" cy="0"/>
-          <a:chOff x="0" y="0"/>
-          <a:chExt cx="0" cy="0"/>
-        </a:xfrm>
-      </p:grpSpPr>
-      <p:sp>
-        <p:nvSpPr>
-          <p:cNvPr id="221" name="Double-click to edit"/>
-          <p:cNvSpPr txBox="1"/>
-          <p:nvPr>
-            <p:ph type="title"/>
-          </p:nvPr>
-        </p:nvSpPr>
-        <p:spPr>
-          <a:prstGeom prst="rect">
-            <a:avLst/>
-          </a:prstGeom>
-        </p:spPr>
-        <p:txBody>
-          <a:bodyPr/>
-          <a:lstStyle/>
-          <a:p>
-            <a:pPr defTabSz="886968">
-              <a:defRPr sz="2910"/>
-            </a:pPr>
-          </a:p>
-        </p:txBody>
-      </p:sp>
-      <p:sp>
-        <p:nvSpPr>
-          <p:cNvPr id="222" name="Debrief…"/>
+          <p:cNvPr id="210" name="Exit ticket kahoot"/>
           <p:cNvSpPr txBox="1"/>
           <p:nvPr/>
         </p:nvSpPr>
@@ -8295,64 +7635,34 @@
           <a:bodyPr lIns="91422" tIns="91422" rIns="91422" bIns="91422">
             <a:normAutofit fontScale="100000" lnSpcReduction="0"/>
           </a:bodyPr>
-          <a:lstStyle/>
-          <a:p>
-            <a:pPr defTabSz="813816">
+          <a:lstStyle>
+            <a:lvl1pPr defTabSz="813816">
               <a:defRPr sz="2100">
                 <a:latin typeface="+mn-lt"/>
                 <a:ea typeface="+mn-ea"/>
                 <a:cs typeface="+mn-cs"/>
                 <a:sym typeface="Arial"/>
               </a:defRPr>
-            </a:pPr>
-            <a:r>
-              <a:t>Debrief</a:t>
-            </a:r>
-          </a:p>
-          <a:p>
-            <a:pPr defTabSz="813816">
-              <a:defRPr sz="1200">
-                <a:solidFill>
-                  <a:schemeClr val="accent5"/>
-                </a:solidFill>
-              </a:defRPr>
-            </a:pPr>
-            <a:r>
-              <a:t>be sure to:</a:t>
-            </a:r>
-            <a:r>
-              <a:rPr>
-                <a:solidFill>
-                  <a:schemeClr val="accent5">
-                    <a:lumOff val="-9843"/>
-                  </a:schemeClr>
-                </a:solidFill>
-              </a:rPr>
-              <a:t> </a:t>
-            </a:r>
-            <a:r>
-              <a:rPr>
-                <a:solidFill>
-                  <a:schemeClr val="accent3">
-                    <a:lumOff val="-9098"/>
-                  </a:schemeClr>
-                </a:solidFill>
-              </a:rPr>
-              <a:t>(re)read the information below. Raise your hand if you have a question!</a:t>
+            </a:lvl1pPr>
+          </a:lstStyle>
+          <a:p>
+            <a:pPr/>
+            <a:r>
+              <a:t>Exit ticket kahoot</a:t>
             </a:r>
           </a:p>
         </p:txBody>
       </p:sp>
       <p:sp>
         <p:nvSpPr>
-          <p:cNvPr id="223" name="Hope you enjoyed our new room, B24!  Please (re)read the information below:…"/>
+          <p:cNvPr id="211" name="Go to kahoot.it and enter the game code."/>
           <p:cNvSpPr txBox="1"/>
           <p:nvPr/>
         </p:nvSpPr>
         <p:spPr>
           <a:xfrm>
             <a:off x="350267" y="1656889"/>
-            <a:ext cx="7462021" cy="1943101"/>
+            <a:ext cx="7462021" cy="215901"/>
           </a:xfrm>
           <a:prstGeom prst="rect">
             <a:avLst/>
@@ -8380,134 +7690,24 @@
               </a:defRPr>
             </a:pPr>
             <a:r>
-              <a:t>Hope you enjoyed our new room, </a:t>
-            </a:r>
-            <a:r>
-              <a:rPr>
+              <a:t>Go to </a:t>
+            </a:r>
+            <a:r>
+              <a:rPr u="sng">
                 <a:solidFill>
-                  <a:srgbClr val="FF6A00"/>
+                  <a:srgbClr val="0000FF"/>
                 </a:solidFill>
+                <a:uFill>
+                  <a:solidFill>
+                    <a:srgbClr val="0000FF"/>
+                  </a:solidFill>
+                </a:uFill>
+                <a:hlinkClick r:id="rId3" invalidUrl="" action="" tgtFrame="" tooltip="" history="1" highlightClick="0" endSnd="0"/>
               </a:rPr>
-              <a:t>B24</a:t>
-            </a:r>
-            <a:r>
-              <a:t>!  Please (re)read the information below:</a:t>
-            </a:r>
-          </a:p>
-          <a:p>
-            <a:pPr>
-              <a:defRPr>
-                <a:solidFill>
-                  <a:srgbClr val="011D57"/>
-                </a:solidFill>
-              </a:defRPr>
-            </a:pPr>
-          </a:p>
-          <a:p>
-            <a:pPr marL="187157" indent="-187157">
-              <a:buSzPct val="100000"/>
-              <a:buAutoNum type="arabicPeriod" startAt="1"/>
-              <a:defRPr>
-                <a:solidFill>
-                  <a:srgbClr val="011D57"/>
-                </a:solidFill>
-              </a:defRPr>
-            </a:pPr>
-            <a:r>
-              <a:t>When you come in, please find a seat at a desk (if one’s available) or one of the </a:t>
-            </a:r>
-            <a:r>
-              <a:rPr>
-                <a:solidFill>
-                  <a:srgbClr val="FF6A00"/>
-                </a:solidFill>
-              </a:rPr>
-              <a:t>six</a:t>
-            </a:r>
-            <a:r>
-              <a:t> closest desks to the screen. </a:t>
-            </a:r>
-            <a:r>
-              <a:rPr b="1" i="1" u="sng">
-                <a:solidFill>
-                  <a:srgbClr val="E22400"/>
-                </a:solidFill>
-              </a:rPr>
-              <a:t>Do not sit in the back of the classroom</a:t>
-            </a:r>
-            <a:r>
-              <a:t>.  We’ll conduct the do now and mini lesson from here.</a:t>
-            </a:r>
-          </a:p>
-          <a:p>
-            <a:pPr marL="187157" indent="-187157">
-              <a:buSzPct val="100000"/>
-              <a:buAutoNum type="arabicPeriod" startAt="1"/>
-              <a:defRPr>
-                <a:solidFill>
-                  <a:srgbClr val="011D57"/>
-                </a:solidFill>
-              </a:defRPr>
-            </a:pPr>
-            <a:r>
-              <a:t>When I dismiss you for independent work, find a sit at one of the computer workstations.</a:t>
-            </a:r>
-          </a:p>
-          <a:p>
-            <a:pPr marL="187157" indent="-187157">
-              <a:buSzPct val="100000"/>
-              <a:buAutoNum type="arabicPeriod" startAt="1"/>
-              <a:defRPr b="1" i="1" u="sng">
-                <a:solidFill>
-                  <a:srgbClr val="E22400"/>
-                </a:solidFill>
-              </a:defRPr>
-            </a:pPr>
-            <a:r>
-              <a:t>No food or drink by the computers.</a:t>
-            </a:r>
-            <a:r>
-              <a:rPr b="0" i="0" u="none">
-                <a:solidFill>
-                  <a:srgbClr val="011D57"/>
-                </a:solidFill>
-              </a:rPr>
-              <a:t>  </a:t>
-            </a:r>
-            <a:endParaRPr b="0" i="0" u="none">
-              <a:solidFill>
-                <a:srgbClr val="011D57"/>
-              </a:solidFill>
-            </a:endParaRPr>
-          </a:p>
-          <a:p>
-            <a:pPr marL="187157" indent="-187157">
-              <a:buSzPct val="100000"/>
-              <a:buAutoNum type="arabicPeriod" startAt="1"/>
-              <a:defRPr b="1" i="1" u="sng">
-                <a:solidFill>
-                  <a:srgbClr val="E22400"/>
-                </a:solidFill>
-              </a:defRPr>
-            </a:pPr>
-            <a:r>
-              <a:rPr b="0" i="0" u="none">
-                <a:solidFill>
-                  <a:srgbClr val="011D57"/>
-                </a:solidFill>
-              </a:rPr>
-              <a:t>At the end of the period, you’ll be directed to assemble for the exit ticket/debrief. Log out of your computer, and </a:t>
-            </a:r>
-            <a:r>
-              <a:t>quietly </a:t>
-            </a:r>
-            <a:r>
-              <a:rPr b="0" i="0" u="none">
-                <a:solidFill>
-                  <a:srgbClr val="011D57"/>
-                </a:solidFill>
-              </a:rPr>
-              <a:t>return to a seat near the front.</a:t>
+              <a:t>kahoot.it</a:t>
+            </a:r>
+            <a:r>
+              <a:t> and enter the game code.</a:t>
             </a:r>
           </a:p>
         </p:txBody>
@@ -8551,7 +7751,7 @@
                                       <p:cBhvr>
                                         <p:cTn id="6" fill="hold"/>
                                         <p:tgtEl>
-                                          <p:spTgt spid="223"/>
+                                          <p:spTgt spid="211"/>
                                         </p:tgtEl>
                                         <p:attrNameLst>
                                           <p:attrName>style.visibility</p:attrName>
@@ -8592,7 +7792,7 @@
       </p:par>
     </p:tnLst>
     <p:bldLst>
-      <p:bldP build="whole" bldLvl="1" animBg="1" rev="0" advAuto="0" spid="223" grpId="1"/>
+      <p:bldP build="whole" bldLvl="1" animBg="1" rev="0" advAuto="0" spid="211" grpId="1"/>
     </p:bldLst>
   </p:timing>
 </p:sld>
